--- a/rulebook_files/Swayamsiddha HackathonTemplate.pptx
+++ b/rulebook_files/Swayamsiddha HackathonTemplate.pptx
@@ -2,12 +2,15 @@
 <file path=ppt/presentation.xml><?xml version="1.0" encoding="utf-8"?>
 <p:presentation xmlns:a="http://schemas.openxmlformats.org/drawingml/2006/main" xmlns:r="http://schemas.openxmlformats.org/officeDocument/2006/relationships" xmlns:p="http://schemas.openxmlformats.org/presentationml/2006/main" saveSubsetFonts="1">
   <p:sldMasterIdLst>
-    <p:sldMasterId id="2147483648" r:id="rId1"/>
+    <p:sldMasterId id="2147483684" r:id="rId1"/>
   </p:sldMasterIdLst>
+  <p:notesMasterIdLst>
+    <p:notesMasterId r:id="rId5"/>
+  </p:notesMasterIdLst>
   <p:sldIdLst>
-    <p:sldId id="256" r:id="rId2"/>
-    <p:sldId id="258" r:id="rId3"/>
-    <p:sldId id="257" r:id="rId4"/>
+    <p:sldId id="268" r:id="rId2"/>
+    <p:sldId id="269" r:id="rId3"/>
+    <p:sldId id="270" r:id="rId4"/>
   </p:sldIdLst>
   <p:sldSz cx="9144000" cy="6858000" type="screen4x3"/>
   <p:notesSz cx="6858000" cy="9144000"/>
@@ -106,23 +109,438 @@
       </a:defRPr>
     </a:lvl9pPr>
   </p:defaultTextStyle>
-  <p:extLst>
-    <p:ext uri="{EFAFB233-063F-42B5-8137-9DF3F51BA10A}">
-      <p15:sldGuideLst xmlns:p15="http://schemas.microsoft.com/office/powerpoint/2012/main">
-        <p15:guide id="1" orient="horz" pos="2160">
-          <p15:clr>
-            <a:srgbClr val="A4A3A4"/>
-          </p15:clr>
-        </p15:guide>
-        <p15:guide id="2" pos="2880">
-          <p15:clr>
-            <a:srgbClr val="A4A3A4"/>
-          </p15:clr>
-        </p15:guide>
-      </p15:sldGuideLst>
-    </p:ext>
-  </p:extLst>
 </p:presentation>
+</file>
+
+<file path=ppt/notesMasters/notesMaster1.xml><?xml version="1.0" encoding="utf-8"?>
+<p:notesMaster xmlns:a="http://schemas.openxmlformats.org/drawingml/2006/main" xmlns:r="http://schemas.openxmlformats.org/officeDocument/2006/relationships" xmlns:p="http://schemas.openxmlformats.org/presentationml/2006/main">
+  <p:cSld>
+    <p:bg>
+      <p:bgPr>
+        <a:solidFill>
+          <a:schemeClr val="bg1"/>
+        </a:solidFill>
+        <a:effectLst/>
+      </p:bgPr>
+    </p:bg>
+    <p:spTree>
+      <p:nvGrpSpPr>
+        <p:cNvPr id="1" name=""/>
+        <p:cNvGrpSpPr/>
+        <p:nvPr/>
+      </p:nvGrpSpPr>
+      <p:grpSpPr>
+        <a:xfrm>
+          <a:off x="0" y="0"/>
+          <a:ext cx="0" cy="0"/>
+          <a:chOff x="0" y="0"/>
+          <a:chExt cx="0" cy="0"/>
+        </a:xfrm>
+      </p:grpSpPr>
+      <p:sp>
+        <p:nvSpPr>
+          <p:cNvPr id="1048646" name="Rectangle 2"/>
+          <p:cNvSpPr>
+            <a:spLocks noGrp="1" noChangeArrowheads="1"/>
+          </p:cNvSpPr>
+          <p:nvPr>
+            <p:ph type="hdr" sz="quarter"/>
+          </p:nvPr>
+        </p:nvSpPr>
+        <p:spPr bwMode="auto">
+          <a:xfrm>
+            <a:off x="2" y="1"/>
+            <a:ext cx="3076575" cy="512763"/>
+          </a:xfrm>
+          <a:prstGeom prst="rect">
+            <a:avLst/>
+          </a:prstGeom>
+          <a:noFill/>
+          <a:ln w="9525">
+            <a:noFill/>
+            <a:miter lim="800000"/>
+            <a:headEnd/>
+            <a:tailEnd/>
+          </a:ln>
+          <a:effectLst/>
+        </p:spPr>
+        <p:txBody>
+          <a:bodyPr vert="horz" wrap="square" lIns="91492" tIns="45745" rIns="91492" bIns="45745" numCol="1" anchor="t" anchorCtr="0" compatLnSpc="1">
+            <a:prstTxWarp prst="textNoShape">
+              <a:avLst/>
+            </a:prstTxWarp>
+          </a:bodyPr>
+          <a:lstStyle>
+            <a:lvl1pPr algn="l">
+              <a:defRPr sz="1100"/>
+            </a:lvl1pPr>
+          </a:lstStyle>
+          <a:p>
+            <a:endParaRPr lang="en-US"/>
+          </a:p>
+        </p:txBody>
+      </p:sp>
+      <p:sp>
+        <p:nvSpPr>
+          <p:cNvPr id="1048647" name="Rectangle 3"/>
+          <p:cNvSpPr>
+            <a:spLocks noGrp="1" noChangeArrowheads="1"/>
+          </p:cNvSpPr>
+          <p:nvPr>
+            <p:ph type="dt" idx="1"/>
+          </p:nvPr>
+        </p:nvSpPr>
+        <p:spPr bwMode="auto">
+          <a:xfrm>
+            <a:off x="4021139" y="1"/>
+            <a:ext cx="3076575" cy="512763"/>
+          </a:xfrm>
+          <a:prstGeom prst="rect">
+            <a:avLst/>
+          </a:prstGeom>
+          <a:noFill/>
+          <a:ln w="9525">
+            <a:noFill/>
+            <a:miter lim="800000"/>
+            <a:headEnd/>
+            <a:tailEnd/>
+          </a:ln>
+          <a:effectLst/>
+        </p:spPr>
+        <p:txBody>
+          <a:bodyPr vert="horz" wrap="square" lIns="91492" tIns="45745" rIns="91492" bIns="45745" numCol="1" anchor="t" anchorCtr="0" compatLnSpc="1">
+            <a:prstTxWarp prst="textNoShape">
+              <a:avLst/>
+            </a:prstTxWarp>
+          </a:bodyPr>
+          <a:lstStyle>
+            <a:lvl1pPr algn="r">
+              <a:defRPr sz="1100"/>
+            </a:lvl1pPr>
+          </a:lstStyle>
+          <a:p>
+            <a:endParaRPr lang="en-US"/>
+          </a:p>
+        </p:txBody>
+      </p:sp>
+      <p:sp>
+        <p:nvSpPr>
+          <p:cNvPr id="1048648" name="Rectangle 4"/>
+          <p:cNvSpPr>
+            <a:spLocks noGrp="1" noRot="1" noChangeAspect="1" noChangeArrowheads="1" noTextEdit="1"/>
+          </p:cNvSpPr>
+          <p:nvPr>
+            <p:ph type="sldImg" idx="2"/>
+          </p:nvPr>
+        </p:nvSpPr>
+        <p:spPr bwMode="auto">
+          <a:xfrm>
+            <a:off x="990600" y="766763"/>
+            <a:ext cx="5118100" cy="3838575"/>
+          </a:xfrm>
+          <a:prstGeom prst="rect">
+            <a:avLst/>
+          </a:prstGeom>
+          <a:noFill/>
+          <a:ln w="9525">
+            <a:solidFill>
+              <a:srgbClr val="000000"/>
+            </a:solidFill>
+            <a:miter lim="800000"/>
+            <a:headEnd/>
+            <a:tailEnd/>
+          </a:ln>
+          <a:effectLst/>
+        </p:spPr>
+      </p:sp>
+      <p:sp>
+        <p:nvSpPr>
+          <p:cNvPr id="1048649" name="Rectangle 5"/>
+          <p:cNvSpPr>
+            <a:spLocks noGrp="1" noChangeArrowheads="1"/>
+          </p:cNvSpPr>
+          <p:nvPr>
+            <p:ph type="body" sz="quarter" idx="3"/>
+          </p:nvPr>
+        </p:nvSpPr>
+        <p:spPr bwMode="auto">
+          <a:xfrm>
+            <a:off x="709614" y="4862514"/>
+            <a:ext cx="5680075" cy="4605337"/>
+          </a:xfrm>
+          <a:prstGeom prst="rect">
+            <a:avLst/>
+          </a:prstGeom>
+          <a:noFill/>
+          <a:ln w="9525">
+            <a:noFill/>
+            <a:miter lim="800000"/>
+            <a:headEnd/>
+            <a:tailEnd/>
+          </a:ln>
+          <a:effectLst/>
+        </p:spPr>
+        <p:txBody>
+          <a:bodyPr vert="horz" wrap="square" lIns="91492" tIns="45745" rIns="91492" bIns="45745" numCol="1" anchor="t" anchorCtr="0" compatLnSpc="1">
+            <a:prstTxWarp prst="textNoShape">
+              <a:avLst/>
+            </a:prstTxWarp>
+          </a:bodyPr>
+          <a:lstStyle/>
+          <a:p>
+            <a:pPr lvl="0"/>
+            <a:r>
+              <a:rPr lang="en-US" smtClean="0"/>
+              <a:t>Click to edit Master text styles</a:t>
+            </a:r>
+          </a:p>
+          <a:p>
+            <a:pPr lvl="1"/>
+            <a:r>
+              <a:rPr lang="en-US" smtClean="0"/>
+              <a:t>Second level</a:t>
+            </a:r>
+          </a:p>
+          <a:p>
+            <a:pPr lvl="2"/>
+            <a:r>
+              <a:rPr lang="en-US" smtClean="0"/>
+              <a:t>Third level</a:t>
+            </a:r>
+          </a:p>
+          <a:p>
+            <a:pPr lvl="3"/>
+            <a:r>
+              <a:rPr lang="en-US" smtClean="0"/>
+              <a:t>Fourth level</a:t>
+            </a:r>
+          </a:p>
+          <a:p>
+            <a:pPr lvl="4"/>
+            <a:r>
+              <a:rPr lang="en-US" smtClean="0"/>
+              <a:t>Fifth level</a:t>
+            </a:r>
+          </a:p>
+        </p:txBody>
+      </p:sp>
+      <p:sp>
+        <p:nvSpPr>
+          <p:cNvPr id="1048650" name="Rectangle 6"/>
+          <p:cNvSpPr>
+            <a:spLocks noGrp="1" noChangeArrowheads="1"/>
+          </p:cNvSpPr>
+          <p:nvPr>
+            <p:ph type="ftr" sz="quarter" idx="4"/>
+          </p:nvPr>
+        </p:nvSpPr>
+        <p:spPr bwMode="auto">
+          <a:xfrm>
+            <a:off x="2" y="9720264"/>
+            <a:ext cx="3076575" cy="512762"/>
+          </a:xfrm>
+          <a:prstGeom prst="rect">
+            <a:avLst/>
+          </a:prstGeom>
+          <a:noFill/>
+          <a:ln w="9525">
+            <a:noFill/>
+            <a:miter lim="800000"/>
+            <a:headEnd/>
+            <a:tailEnd/>
+          </a:ln>
+          <a:effectLst/>
+        </p:spPr>
+        <p:txBody>
+          <a:bodyPr vert="horz" wrap="square" lIns="91492" tIns="45745" rIns="91492" bIns="45745" numCol="1" anchor="b" anchorCtr="0" compatLnSpc="1">
+            <a:prstTxWarp prst="textNoShape">
+              <a:avLst/>
+            </a:prstTxWarp>
+          </a:bodyPr>
+          <a:lstStyle>
+            <a:lvl1pPr algn="l">
+              <a:defRPr sz="1100"/>
+            </a:lvl1pPr>
+          </a:lstStyle>
+          <a:p>
+            <a:endParaRPr lang="en-US"/>
+          </a:p>
+        </p:txBody>
+      </p:sp>
+      <p:sp>
+        <p:nvSpPr>
+          <p:cNvPr id="1048651" name="Rectangle 7"/>
+          <p:cNvSpPr>
+            <a:spLocks noGrp="1" noChangeArrowheads="1"/>
+          </p:cNvSpPr>
+          <p:nvPr>
+            <p:ph type="sldNum" sz="quarter" idx="5"/>
+          </p:nvPr>
+        </p:nvSpPr>
+        <p:spPr bwMode="auto">
+          <a:xfrm>
+            <a:off x="4021139" y="9720264"/>
+            <a:ext cx="3076575" cy="512762"/>
+          </a:xfrm>
+          <a:prstGeom prst="rect">
+            <a:avLst/>
+          </a:prstGeom>
+          <a:noFill/>
+          <a:ln w="9525">
+            <a:noFill/>
+            <a:miter lim="800000"/>
+            <a:headEnd/>
+            <a:tailEnd/>
+          </a:ln>
+          <a:effectLst/>
+        </p:spPr>
+        <p:txBody>
+          <a:bodyPr vert="horz" wrap="square" lIns="91492" tIns="45745" rIns="91492" bIns="45745" numCol="1" anchor="b" anchorCtr="0" compatLnSpc="1">
+            <a:prstTxWarp prst="textNoShape">
+              <a:avLst/>
+            </a:prstTxWarp>
+          </a:bodyPr>
+          <a:lstStyle>
+            <a:lvl1pPr algn="r">
+              <a:defRPr sz="1100"/>
+            </a:lvl1pPr>
+          </a:lstStyle>
+          <a:p>
+            <a:fld id="{A9A0EA98-5831-4853-B862-C702E6EB345C}" type="slidenum">
+              <a:rPr lang="en-US"/>
+              <a:pPr/>
+              <a:t>‹#›</a:t>
+            </a:fld>
+            <a:endParaRPr lang="en-US"/>
+          </a:p>
+        </p:txBody>
+      </p:sp>
+    </p:spTree>
+  </p:cSld>
+  <p:clrMap bg1="lt1" tx1="dk1" bg2="lt2" tx2="dk2" accent1="accent1" accent2="accent2" accent3="accent3" accent4="accent4" accent5="accent5" accent6="accent6" hlink="hlink" folHlink="folHlink"/>
+  <p:notesStyle>
+    <a:lvl1pPr algn="l" rtl="0" fontAlgn="base">
+      <a:spcBef>
+        <a:spcPct val="30000"/>
+      </a:spcBef>
+      <a:spcAft>
+        <a:spcPct val="0"/>
+      </a:spcAft>
+      <a:defRPr sz="1200" kern="1200">
+        <a:solidFill>
+          <a:schemeClr val="tx1"/>
+        </a:solidFill>
+        <a:latin typeface="Arial" charset="0"/>
+        <a:ea typeface="+mn-ea"/>
+        <a:cs typeface="+mn-cs"/>
+      </a:defRPr>
+    </a:lvl1pPr>
+    <a:lvl2pPr marL="457200" algn="l" rtl="0" fontAlgn="base">
+      <a:spcBef>
+        <a:spcPct val="30000"/>
+      </a:spcBef>
+      <a:spcAft>
+        <a:spcPct val="0"/>
+      </a:spcAft>
+      <a:defRPr sz="1200" kern="1200">
+        <a:solidFill>
+          <a:schemeClr val="tx1"/>
+        </a:solidFill>
+        <a:latin typeface="Arial" charset="0"/>
+        <a:ea typeface="+mn-ea"/>
+        <a:cs typeface="+mn-cs"/>
+      </a:defRPr>
+    </a:lvl2pPr>
+    <a:lvl3pPr marL="914400" algn="l" rtl="0" fontAlgn="base">
+      <a:spcBef>
+        <a:spcPct val="30000"/>
+      </a:spcBef>
+      <a:spcAft>
+        <a:spcPct val="0"/>
+      </a:spcAft>
+      <a:defRPr sz="1200" kern="1200">
+        <a:solidFill>
+          <a:schemeClr val="tx1"/>
+        </a:solidFill>
+        <a:latin typeface="Arial" charset="0"/>
+        <a:ea typeface="+mn-ea"/>
+        <a:cs typeface="+mn-cs"/>
+      </a:defRPr>
+    </a:lvl3pPr>
+    <a:lvl4pPr marL="1371600" algn="l" rtl="0" fontAlgn="base">
+      <a:spcBef>
+        <a:spcPct val="30000"/>
+      </a:spcBef>
+      <a:spcAft>
+        <a:spcPct val="0"/>
+      </a:spcAft>
+      <a:defRPr sz="1200" kern="1200">
+        <a:solidFill>
+          <a:schemeClr val="tx1"/>
+        </a:solidFill>
+        <a:latin typeface="Arial" charset="0"/>
+        <a:ea typeface="+mn-ea"/>
+        <a:cs typeface="+mn-cs"/>
+      </a:defRPr>
+    </a:lvl4pPr>
+    <a:lvl5pPr marL="1828800" algn="l" rtl="0" fontAlgn="base">
+      <a:spcBef>
+        <a:spcPct val="30000"/>
+      </a:spcBef>
+      <a:spcAft>
+        <a:spcPct val="0"/>
+      </a:spcAft>
+      <a:defRPr sz="1200" kern="1200">
+        <a:solidFill>
+          <a:schemeClr val="tx1"/>
+        </a:solidFill>
+        <a:latin typeface="Arial" charset="0"/>
+        <a:ea typeface="+mn-ea"/>
+        <a:cs typeface="+mn-cs"/>
+      </a:defRPr>
+    </a:lvl5pPr>
+    <a:lvl6pPr marL="2286000" algn="l" defTabSz="914400" rtl="0" eaLnBrk="1" latinLnBrk="0" hangingPunct="1">
+      <a:defRPr sz="1200" kern="1200">
+        <a:solidFill>
+          <a:schemeClr val="tx1"/>
+        </a:solidFill>
+        <a:latin typeface="+mn-lt"/>
+        <a:ea typeface="+mn-ea"/>
+        <a:cs typeface="+mn-cs"/>
+      </a:defRPr>
+    </a:lvl6pPr>
+    <a:lvl7pPr marL="2743200" algn="l" defTabSz="914400" rtl="0" eaLnBrk="1" latinLnBrk="0" hangingPunct="1">
+      <a:defRPr sz="1200" kern="1200">
+        <a:solidFill>
+          <a:schemeClr val="tx1"/>
+        </a:solidFill>
+        <a:latin typeface="+mn-lt"/>
+        <a:ea typeface="+mn-ea"/>
+        <a:cs typeface="+mn-cs"/>
+      </a:defRPr>
+    </a:lvl7pPr>
+    <a:lvl8pPr marL="3200400" algn="l" defTabSz="914400" rtl="0" eaLnBrk="1" latinLnBrk="0" hangingPunct="1">
+      <a:defRPr sz="1200" kern="1200">
+        <a:solidFill>
+          <a:schemeClr val="tx1"/>
+        </a:solidFill>
+        <a:latin typeface="+mn-lt"/>
+        <a:ea typeface="+mn-ea"/>
+        <a:cs typeface="+mn-cs"/>
+      </a:defRPr>
+    </a:lvl8pPr>
+    <a:lvl9pPr marL="3657600" algn="l" defTabSz="914400" rtl="0" eaLnBrk="1" latinLnBrk="0" hangingPunct="1">
+      <a:defRPr sz="1200" kern="1200">
+        <a:solidFill>
+          <a:schemeClr val="tx1"/>
+        </a:solidFill>
+        <a:latin typeface="+mn-lt"/>
+        <a:ea typeface="+mn-ea"/>
+        <a:cs typeface="+mn-cs"/>
+      </a:defRPr>
+    </a:lvl9pPr>
+  </p:notesStyle>
+</p:notesMaster>
 </file>
 
 <file path=ppt/slideLayouts/slideLayout1.xml><?xml version="1.0" encoding="utf-8"?>
@@ -144,7 +562,7 @@
       </p:grpSpPr>
       <p:sp>
         <p:nvSpPr>
-          <p:cNvPr id="2" name="Title 1"/>
+          <p:cNvPr id="1048581" name="Title 1"/>
           <p:cNvSpPr>
             <a:spLocks noGrp="1"/>
           </p:cNvSpPr>
@@ -163,15 +581,16 @@
           <a:lstStyle/>
           <a:p>
             <a:r>
-              <a:rPr lang="en-US"/>
+              <a:rPr lang="en-US" smtClean="0"/>
               <a:t>Click to edit Master title style</a:t>
             </a:r>
-          </a:p>
-        </p:txBody>
-      </p:sp>
-      <p:sp>
-        <p:nvSpPr>
-          <p:cNvPr id="3" name="Subtitle 2"/>
+            <a:endParaRPr lang="en-US"/>
+          </a:p>
+        </p:txBody>
+      </p:sp>
+      <p:sp>
+        <p:nvSpPr>
+          <p:cNvPr id="1048582" name="Subtitle 2"/>
           <p:cNvSpPr>
             <a:spLocks noGrp="1"/>
           </p:cNvSpPr>
@@ -281,15 +700,16 @@
           </a:lstStyle>
           <a:p>
             <a:r>
-              <a:rPr lang="en-US"/>
+              <a:rPr lang="en-US" smtClean="0"/>
               <a:t>Click to edit Master subtitle style</a:t>
             </a:r>
-          </a:p>
-        </p:txBody>
-      </p:sp>
-      <p:sp>
-        <p:nvSpPr>
-          <p:cNvPr id="4" name="Date Placeholder 3"/>
+            <a:endParaRPr lang="en-US"/>
+          </a:p>
+        </p:txBody>
+      </p:sp>
+      <p:sp>
+        <p:nvSpPr>
+          <p:cNvPr id="1048583" name="Date Placeholder 3"/>
           <p:cNvSpPr>
             <a:spLocks noGrp="1"/>
           </p:cNvSpPr>
@@ -305,7 +725,7 @@
             <a:fld id="{1D8BD707-D9CF-40AE-B4C6-C98DA3205C09}" type="datetimeFigureOut">
               <a:rPr lang="en-US" smtClean="0"/>
               <a:pPr/>
-              <a:t>7/28/2020</a:t>
+              <a:t>30/07/2020</a:t>
             </a:fld>
             <a:endParaRPr lang="en-US"/>
           </a:p>
@@ -313,7 +733,7 @@
       </p:sp>
       <p:sp>
         <p:nvSpPr>
-          <p:cNvPr id="5" name="Footer Placeholder 4"/>
+          <p:cNvPr id="1048584" name="Footer Placeholder 4"/>
           <p:cNvSpPr>
             <a:spLocks noGrp="1"/>
           </p:cNvSpPr>
@@ -332,7 +752,7 @@
       </p:sp>
       <p:sp>
         <p:nvSpPr>
-          <p:cNvPr id="6" name="Slide Number Placeholder 5"/>
+          <p:cNvPr id="1048585" name="Slide Number Placeholder 5"/>
           <p:cNvSpPr>
             <a:spLocks noGrp="1"/>
           </p:cNvSpPr>
@@ -381,7 +801,7 @@
       </p:grpSpPr>
       <p:sp>
         <p:nvSpPr>
-          <p:cNvPr id="2" name="Title 1"/>
+          <p:cNvPr id="1048613" name="Title 1"/>
           <p:cNvSpPr>
             <a:spLocks noGrp="1"/>
           </p:cNvSpPr>
@@ -395,15 +815,16 @@
           <a:lstStyle/>
           <a:p>
             <a:r>
-              <a:rPr lang="en-US"/>
+              <a:rPr lang="en-US" smtClean="0"/>
               <a:t>Click to edit Master title style</a:t>
             </a:r>
-          </a:p>
-        </p:txBody>
-      </p:sp>
-      <p:sp>
-        <p:nvSpPr>
-          <p:cNvPr id="3" name="Vertical Text Placeholder 2"/>
+            <a:endParaRPr lang="en-US"/>
+          </a:p>
+        </p:txBody>
+      </p:sp>
+      <p:sp>
+        <p:nvSpPr>
+          <p:cNvPr id="1048614" name="Vertical Text Placeholder 2"/>
           <p:cNvSpPr>
             <a:spLocks noGrp="1"/>
           </p:cNvSpPr>
@@ -418,43 +839,44 @@
           <a:p>
             <a:pPr lvl="0"/>
             <a:r>
-              <a:rPr lang="en-US"/>
+              <a:rPr lang="en-US" smtClean="0"/>
               <a:t>Click to edit Master text styles</a:t>
             </a:r>
           </a:p>
           <a:p>
             <a:pPr lvl="1"/>
             <a:r>
-              <a:rPr lang="en-US"/>
+              <a:rPr lang="en-US" smtClean="0"/>
               <a:t>Second level</a:t>
             </a:r>
           </a:p>
           <a:p>
             <a:pPr lvl="2"/>
             <a:r>
-              <a:rPr lang="en-US"/>
+              <a:rPr lang="en-US" smtClean="0"/>
               <a:t>Third level</a:t>
             </a:r>
           </a:p>
           <a:p>
             <a:pPr lvl="3"/>
             <a:r>
-              <a:rPr lang="en-US"/>
+              <a:rPr lang="en-US" smtClean="0"/>
               <a:t>Fourth level</a:t>
             </a:r>
           </a:p>
           <a:p>
             <a:pPr lvl="4"/>
             <a:r>
-              <a:rPr lang="en-US"/>
+              <a:rPr lang="en-US" smtClean="0"/>
               <a:t>Fifth level</a:t>
             </a:r>
-          </a:p>
-        </p:txBody>
-      </p:sp>
-      <p:sp>
-        <p:nvSpPr>
-          <p:cNvPr id="4" name="Date Placeholder 3"/>
+            <a:endParaRPr lang="en-US"/>
+          </a:p>
+        </p:txBody>
+      </p:sp>
+      <p:sp>
+        <p:nvSpPr>
+          <p:cNvPr id="1048615" name="Date Placeholder 3"/>
           <p:cNvSpPr>
             <a:spLocks noGrp="1"/>
           </p:cNvSpPr>
@@ -470,7 +892,7 @@
             <a:fld id="{1D8BD707-D9CF-40AE-B4C6-C98DA3205C09}" type="datetimeFigureOut">
               <a:rPr lang="en-US" smtClean="0"/>
               <a:pPr/>
-              <a:t>7/28/2020</a:t>
+              <a:t>30/07/2020</a:t>
             </a:fld>
             <a:endParaRPr lang="en-US"/>
           </a:p>
@@ -478,7 +900,7 @@
       </p:sp>
       <p:sp>
         <p:nvSpPr>
-          <p:cNvPr id="5" name="Footer Placeholder 4"/>
+          <p:cNvPr id="1048616" name="Footer Placeholder 4"/>
           <p:cNvSpPr>
             <a:spLocks noGrp="1"/>
           </p:cNvSpPr>
@@ -497,7 +919,7 @@
       </p:sp>
       <p:sp>
         <p:nvSpPr>
-          <p:cNvPr id="6" name="Slide Number Placeholder 5"/>
+          <p:cNvPr id="1048617" name="Slide Number Placeholder 5"/>
           <p:cNvSpPr>
             <a:spLocks noGrp="1"/>
           </p:cNvSpPr>
@@ -546,7 +968,7 @@
       </p:grpSpPr>
       <p:sp>
         <p:nvSpPr>
-          <p:cNvPr id="2" name="Vertical Title 1"/>
+          <p:cNvPr id="1048602" name="Vertical Title 1"/>
           <p:cNvSpPr>
             <a:spLocks noGrp="1"/>
           </p:cNvSpPr>
@@ -565,15 +987,16 @@
           <a:lstStyle/>
           <a:p>
             <a:r>
-              <a:rPr lang="en-US"/>
+              <a:rPr lang="en-US" smtClean="0"/>
               <a:t>Click to edit Master title style</a:t>
             </a:r>
-          </a:p>
-        </p:txBody>
-      </p:sp>
-      <p:sp>
-        <p:nvSpPr>
-          <p:cNvPr id="3" name="Vertical Text Placeholder 2"/>
+            <a:endParaRPr lang="en-US"/>
+          </a:p>
+        </p:txBody>
+      </p:sp>
+      <p:sp>
+        <p:nvSpPr>
+          <p:cNvPr id="1048603" name="Vertical Text Placeholder 2"/>
           <p:cNvSpPr>
             <a:spLocks noGrp="1"/>
           </p:cNvSpPr>
@@ -593,43 +1016,44 @@
           <a:p>
             <a:pPr lvl="0"/>
             <a:r>
-              <a:rPr lang="en-US"/>
+              <a:rPr lang="en-US" smtClean="0"/>
               <a:t>Click to edit Master text styles</a:t>
             </a:r>
           </a:p>
           <a:p>
             <a:pPr lvl="1"/>
             <a:r>
-              <a:rPr lang="en-US"/>
+              <a:rPr lang="en-US" smtClean="0"/>
               <a:t>Second level</a:t>
             </a:r>
           </a:p>
           <a:p>
             <a:pPr lvl="2"/>
             <a:r>
-              <a:rPr lang="en-US"/>
+              <a:rPr lang="en-US" smtClean="0"/>
               <a:t>Third level</a:t>
             </a:r>
           </a:p>
           <a:p>
             <a:pPr lvl="3"/>
             <a:r>
-              <a:rPr lang="en-US"/>
+              <a:rPr lang="en-US" smtClean="0"/>
               <a:t>Fourth level</a:t>
             </a:r>
           </a:p>
           <a:p>
             <a:pPr lvl="4"/>
             <a:r>
-              <a:rPr lang="en-US"/>
+              <a:rPr lang="en-US" smtClean="0"/>
               <a:t>Fifth level</a:t>
             </a:r>
-          </a:p>
-        </p:txBody>
-      </p:sp>
-      <p:sp>
-        <p:nvSpPr>
-          <p:cNvPr id="4" name="Date Placeholder 3"/>
+            <a:endParaRPr lang="en-US"/>
+          </a:p>
+        </p:txBody>
+      </p:sp>
+      <p:sp>
+        <p:nvSpPr>
+          <p:cNvPr id="1048604" name="Date Placeholder 3"/>
           <p:cNvSpPr>
             <a:spLocks noGrp="1"/>
           </p:cNvSpPr>
@@ -645,7 +1069,7 @@
             <a:fld id="{1D8BD707-D9CF-40AE-B4C6-C98DA3205C09}" type="datetimeFigureOut">
               <a:rPr lang="en-US" smtClean="0"/>
               <a:pPr/>
-              <a:t>7/28/2020</a:t>
+              <a:t>30/07/2020</a:t>
             </a:fld>
             <a:endParaRPr lang="en-US"/>
           </a:p>
@@ -653,7 +1077,7 @@
       </p:sp>
       <p:sp>
         <p:nvSpPr>
-          <p:cNvPr id="5" name="Footer Placeholder 4"/>
+          <p:cNvPr id="1048605" name="Footer Placeholder 4"/>
           <p:cNvSpPr>
             <a:spLocks noGrp="1"/>
           </p:cNvSpPr>
@@ -672,7 +1096,7 @@
       </p:sp>
       <p:sp>
         <p:nvSpPr>
-          <p:cNvPr id="6" name="Slide Number Placeholder 5"/>
+          <p:cNvPr id="1048606" name="Slide Number Placeholder 5"/>
           <p:cNvSpPr>
             <a:spLocks noGrp="1"/>
           </p:cNvSpPr>
@@ -721,7 +1145,7 @@
       </p:grpSpPr>
       <p:sp>
         <p:nvSpPr>
-          <p:cNvPr id="2" name="Title 1"/>
+          <p:cNvPr id="1048587" name="Title 1"/>
           <p:cNvSpPr>
             <a:spLocks noGrp="1"/>
           </p:cNvSpPr>
@@ -735,15 +1159,16 @@
           <a:lstStyle/>
           <a:p>
             <a:r>
-              <a:rPr lang="en-US"/>
+              <a:rPr lang="en-US" smtClean="0"/>
               <a:t>Click to edit Master title style</a:t>
             </a:r>
-          </a:p>
-        </p:txBody>
-      </p:sp>
-      <p:sp>
-        <p:nvSpPr>
-          <p:cNvPr id="3" name="Content Placeholder 2"/>
+            <a:endParaRPr lang="en-US"/>
+          </a:p>
+        </p:txBody>
+      </p:sp>
+      <p:sp>
+        <p:nvSpPr>
+          <p:cNvPr id="1048588" name="Content Placeholder 2"/>
           <p:cNvSpPr>
             <a:spLocks noGrp="1"/>
           </p:cNvSpPr>
@@ -758,43 +1183,44 @@
           <a:p>
             <a:pPr lvl="0"/>
             <a:r>
-              <a:rPr lang="en-US"/>
+              <a:rPr lang="en-US" smtClean="0"/>
               <a:t>Click to edit Master text styles</a:t>
             </a:r>
           </a:p>
           <a:p>
             <a:pPr lvl="1"/>
             <a:r>
-              <a:rPr lang="en-US"/>
+              <a:rPr lang="en-US" smtClean="0"/>
               <a:t>Second level</a:t>
             </a:r>
           </a:p>
           <a:p>
             <a:pPr lvl="2"/>
             <a:r>
-              <a:rPr lang="en-US"/>
+              <a:rPr lang="en-US" smtClean="0"/>
               <a:t>Third level</a:t>
             </a:r>
           </a:p>
           <a:p>
             <a:pPr lvl="3"/>
             <a:r>
-              <a:rPr lang="en-US"/>
+              <a:rPr lang="en-US" smtClean="0"/>
               <a:t>Fourth level</a:t>
             </a:r>
           </a:p>
           <a:p>
             <a:pPr lvl="4"/>
             <a:r>
-              <a:rPr lang="en-US"/>
+              <a:rPr lang="en-US" smtClean="0"/>
               <a:t>Fifth level</a:t>
             </a:r>
-          </a:p>
-        </p:txBody>
-      </p:sp>
-      <p:sp>
-        <p:nvSpPr>
-          <p:cNvPr id="4" name="Date Placeholder 3"/>
+            <a:endParaRPr lang="en-US"/>
+          </a:p>
+        </p:txBody>
+      </p:sp>
+      <p:sp>
+        <p:nvSpPr>
+          <p:cNvPr id="1048589" name="Date Placeholder 3"/>
           <p:cNvSpPr>
             <a:spLocks noGrp="1"/>
           </p:cNvSpPr>
@@ -810,7 +1236,7 @@
             <a:fld id="{1D8BD707-D9CF-40AE-B4C6-C98DA3205C09}" type="datetimeFigureOut">
               <a:rPr lang="en-US" smtClean="0"/>
               <a:pPr/>
-              <a:t>7/28/2020</a:t>
+              <a:t>30/07/2020</a:t>
             </a:fld>
             <a:endParaRPr lang="en-US"/>
           </a:p>
@@ -818,7 +1244,7 @@
       </p:sp>
       <p:sp>
         <p:nvSpPr>
-          <p:cNvPr id="5" name="Footer Placeholder 4"/>
+          <p:cNvPr id="1048590" name="Footer Placeholder 4"/>
           <p:cNvSpPr>
             <a:spLocks noGrp="1"/>
           </p:cNvSpPr>
@@ -837,7 +1263,7 @@
       </p:sp>
       <p:sp>
         <p:nvSpPr>
-          <p:cNvPr id="6" name="Slide Number Placeholder 5"/>
+          <p:cNvPr id="1048591" name="Slide Number Placeholder 5"/>
           <p:cNvSpPr>
             <a:spLocks noGrp="1"/>
           </p:cNvSpPr>
@@ -886,7 +1312,7 @@
       </p:grpSpPr>
       <p:sp>
         <p:nvSpPr>
-          <p:cNvPr id="2" name="Title 1"/>
+          <p:cNvPr id="1048618" name="Title 1"/>
           <p:cNvSpPr>
             <a:spLocks noGrp="1"/>
           </p:cNvSpPr>
@@ -909,15 +1335,16 @@
           </a:lstStyle>
           <a:p>
             <a:r>
-              <a:rPr lang="en-US"/>
+              <a:rPr lang="en-US" smtClean="0"/>
               <a:t>Click to edit Master title style</a:t>
             </a:r>
-          </a:p>
-        </p:txBody>
-      </p:sp>
-      <p:sp>
-        <p:nvSpPr>
-          <p:cNvPr id="3" name="Text Placeholder 2"/>
+            <a:endParaRPr lang="en-US"/>
+          </a:p>
+        </p:txBody>
+      </p:sp>
+      <p:sp>
+        <p:nvSpPr>
+          <p:cNvPr id="1048619" name="Text Placeholder 2"/>
           <p:cNvSpPr>
             <a:spLocks noGrp="1"/>
           </p:cNvSpPr>
@@ -1028,7 +1455,7 @@
           <a:p>
             <a:pPr lvl="0"/>
             <a:r>
-              <a:rPr lang="en-US"/>
+              <a:rPr lang="en-US" smtClean="0"/>
               <a:t>Click to edit Master text styles</a:t>
             </a:r>
           </a:p>
@@ -1036,7 +1463,7 @@
       </p:sp>
       <p:sp>
         <p:nvSpPr>
-          <p:cNvPr id="4" name="Date Placeholder 3"/>
+          <p:cNvPr id="1048620" name="Date Placeholder 3"/>
           <p:cNvSpPr>
             <a:spLocks noGrp="1"/>
           </p:cNvSpPr>
@@ -1052,7 +1479,7 @@
             <a:fld id="{1D8BD707-D9CF-40AE-B4C6-C98DA3205C09}" type="datetimeFigureOut">
               <a:rPr lang="en-US" smtClean="0"/>
               <a:pPr/>
-              <a:t>7/28/2020</a:t>
+              <a:t>30/07/2020</a:t>
             </a:fld>
             <a:endParaRPr lang="en-US"/>
           </a:p>
@@ -1060,7 +1487,7 @@
       </p:sp>
       <p:sp>
         <p:nvSpPr>
-          <p:cNvPr id="5" name="Footer Placeholder 4"/>
+          <p:cNvPr id="1048621" name="Footer Placeholder 4"/>
           <p:cNvSpPr>
             <a:spLocks noGrp="1"/>
           </p:cNvSpPr>
@@ -1079,7 +1506,7 @@
       </p:sp>
       <p:sp>
         <p:nvSpPr>
-          <p:cNvPr id="6" name="Slide Number Placeholder 5"/>
+          <p:cNvPr id="1048622" name="Slide Number Placeholder 5"/>
           <p:cNvSpPr>
             <a:spLocks noGrp="1"/>
           </p:cNvSpPr>
@@ -1128,7 +1555,7 @@
       </p:grpSpPr>
       <p:sp>
         <p:nvSpPr>
-          <p:cNvPr id="2" name="Title 1"/>
+          <p:cNvPr id="1048623" name="Title 1"/>
           <p:cNvSpPr>
             <a:spLocks noGrp="1"/>
           </p:cNvSpPr>
@@ -1142,15 +1569,16 @@
           <a:lstStyle/>
           <a:p>
             <a:r>
-              <a:rPr lang="en-US"/>
+              <a:rPr lang="en-US" smtClean="0"/>
               <a:t>Click to edit Master title style</a:t>
             </a:r>
-          </a:p>
-        </p:txBody>
-      </p:sp>
-      <p:sp>
-        <p:nvSpPr>
-          <p:cNvPr id="3" name="Content Placeholder 2"/>
+            <a:endParaRPr lang="en-US"/>
+          </a:p>
+        </p:txBody>
+      </p:sp>
+      <p:sp>
+        <p:nvSpPr>
+          <p:cNvPr id="1048624" name="Content Placeholder 2"/>
           <p:cNvSpPr>
             <a:spLocks noGrp="1"/>
           </p:cNvSpPr>
@@ -1198,43 +1626,44 @@
           <a:p>
             <a:pPr lvl="0"/>
             <a:r>
-              <a:rPr lang="en-US"/>
+              <a:rPr lang="en-US" smtClean="0"/>
               <a:t>Click to edit Master text styles</a:t>
             </a:r>
           </a:p>
           <a:p>
             <a:pPr lvl="1"/>
             <a:r>
-              <a:rPr lang="en-US"/>
+              <a:rPr lang="en-US" smtClean="0"/>
               <a:t>Second level</a:t>
             </a:r>
           </a:p>
           <a:p>
             <a:pPr lvl="2"/>
             <a:r>
-              <a:rPr lang="en-US"/>
+              <a:rPr lang="en-US" smtClean="0"/>
               <a:t>Third level</a:t>
             </a:r>
           </a:p>
           <a:p>
             <a:pPr lvl="3"/>
             <a:r>
-              <a:rPr lang="en-US"/>
+              <a:rPr lang="en-US" smtClean="0"/>
               <a:t>Fourth level</a:t>
             </a:r>
           </a:p>
           <a:p>
             <a:pPr lvl="4"/>
             <a:r>
-              <a:rPr lang="en-US"/>
+              <a:rPr lang="en-US" smtClean="0"/>
               <a:t>Fifth level</a:t>
             </a:r>
-          </a:p>
-        </p:txBody>
-      </p:sp>
-      <p:sp>
-        <p:nvSpPr>
-          <p:cNvPr id="4" name="Content Placeholder 3"/>
+            <a:endParaRPr lang="en-US"/>
+          </a:p>
+        </p:txBody>
+      </p:sp>
+      <p:sp>
+        <p:nvSpPr>
+          <p:cNvPr id="1048625" name="Content Placeholder 3"/>
           <p:cNvSpPr>
             <a:spLocks noGrp="1"/>
           </p:cNvSpPr>
@@ -1282,43 +1711,44 @@
           <a:p>
             <a:pPr lvl="0"/>
             <a:r>
-              <a:rPr lang="en-US"/>
+              <a:rPr lang="en-US" smtClean="0"/>
               <a:t>Click to edit Master text styles</a:t>
             </a:r>
           </a:p>
           <a:p>
             <a:pPr lvl="1"/>
             <a:r>
-              <a:rPr lang="en-US"/>
+              <a:rPr lang="en-US" smtClean="0"/>
               <a:t>Second level</a:t>
             </a:r>
           </a:p>
           <a:p>
             <a:pPr lvl="2"/>
             <a:r>
-              <a:rPr lang="en-US"/>
+              <a:rPr lang="en-US" smtClean="0"/>
               <a:t>Third level</a:t>
             </a:r>
           </a:p>
           <a:p>
             <a:pPr lvl="3"/>
             <a:r>
-              <a:rPr lang="en-US"/>
+              <a:rPr lang="en-US" smtClean="0"/>
               <a:t>Fourth level</a:t>
             </a:r>
           </a:p>
           <a:p>
             <a:pPr lvl="4"/>
             <a:r>
-              <a:rPr lang="en-US"/>
+              <a:rPr lang="en-US" smtClean="0"/>
               <a:t>Fifth level</a:t>
             </a:r>
-          </a:p>
-        </p:txBody>
-      </p:sp>
-      <p:sp>
-        <p:nvSpPr>
-          <p:cNvPr id="5" name="Date Placeholder 4"/>
+            <a:endParaRPr lang="en-US"/>
+          </a:p>
+        </p:txBody>
+      </p:sp>
+      <p:sp>
+        <p:nvSpPr>
+          <p:cNvPr id="1048626" name="Date Placeholder 4"/>
           <p:cNvSpPr>
             <a:spLocks noGrp="1"/>
           </p:cNvSpPr>
@@ -1334,7 +1764,7 @@
             <a:fld id="{1D8BD707-D9CF-40AE-B4C6-C98DA3205C09}" type="datetimeFigureOut">
               <a:rPr lang="en-US" smtClean="0"/>
               <a:pPr/>
-              <a:t>7/28/2020</a:t>
+              <a:t>30/07/2020</a:t>
             </a:fld>
             <a:endParaRPr lang="en-US"/>
           </a:p>
@@ -1342,7 +1772,7 @@
       </p:sp>
       <p:sp>
         <p:nvSpPr>
-          <p:cNvPr id="6" name="Footer Placeholder 5"/>
+          <p:cNvPr id="1048627" name="Footer Placeholder 5"/>
           <p:cNvSpPr>
             <a:spLocks noGrp="1"/>
           </p:cNvSpPr>
@@ -1361,7 +1791,7 @@
       </p:sp>
       <p:sp>
         <p:nvSpPr>
-          <p:cNvPr id="7" name="Slide Number Placeholder 6"/>
+          <p:cNvPr id="1048628" name="Slide Number Placeholder 6"/>
           <p:cNvSpPr>
             <a:spLocks noGrp="1"/>
           </p:cNvSpPr>
@@ -1410,7 +1840,7 @@
       </p:grpSpPr>
       <p:sp>
         <p:nvSpPr>
-          <p:cNvPr id="2" name="Title 1"/>
+          <p:cNvPr id="1048629" name="Title 1"/>
           <p:cNvSpPr>
             <a:spLocks noGrp="1"/>
           </p:cNvSpPr>
@@ -1421,22 +1851,19 @@
         <p:spPr/>
         <p:txBody>
           <a:bodyPr/>
-          <a:lstStyle>
-            <a:lvl1pPr>
-              <a:defRPr/>
-            </a:lvl1pPr>
-          </a:lstStyle>
-          <a:p>
-            <a:r>
-              <a:rPr lang="en-US"/>
+          <a:lstStyle/>
+          <a:p>
+            <a:r>
+              <a:rPr lang="en-US" smtClean="0"/>
               <a:t>Click to edit Master title style</a:t>
             </a:r>
-          </a:p>
-        </p:txBody>
-      </p:sp>
-      <p:sp>
-        <p:nvSpPr>
-          <p:cNvPr id="3" name="Text Placeholder 2"/>
+            <a:endParaRPr lang="en-US"/>
+          </a:p>
+        </p:txBody>
+      </p:sp>
+      <p:sp>
+        <p:nvSpPr>
+          <p:cNvPr id="1048630" name="Text Placeholder 2"/>
           <p:cNvSpPr>
             <a:spLocks noGrp="1"/>
           </p:cNvSpPr>
@@ -1493,7 +1920,7 @@
           <a:p>
             <a:pPr lvl="0"/>
             <a:r>
-              <a:rPr lang="en-US"/>
+              <a:rPr lang="en-US" smtClean="0"/>
               <a:t>Click to edit Master text styles</a:t>
             </a:r>
           </a:p>
@@ -1501,7 +1928,7 @@
       </p:sp>
       <p:sp>
         <p:nvSpPr>
-          <p:cNvPr id="4" name="Content Placeholder 3"/>
+          <p:cNvPr id="1048631" name="Content Placeholder 3"/>
           <p:cNvSpPr>
             <a:spLocks noGrp="1"/>
           </p:cNvSpPr>
@@ -1549,43 +1976,44 @@
           <a:p>
             <a:pPr lvl="0"/>
             <a:r>
-              <a:rPr lang="en-US"/>
+              <a:rPr lang="en-US" smtClean="0"/>
               <a:t>Click to edit Master text styles</a:t>
             </a:r>
           </a:p>
           <a:p>
             <a:pPr lvl="1"/>
             <a:r>
-              <a:rPr lang="en-US"/>
+              <a:rPr lang="en-US" smtClean="0"/>
               <a:t>Second level</a:t>
             </a:r>
           </a:p>
           <a:p>
             <a:pPr lvl="2"/>
             <a:r>
-              <a:rPr lang="en-US"/>
+              <a:rPr lang="en-US" smtClean="0"/>
               <a:t>Third level</a:t>
             </a:r>
           </a:p>
           <a:p>
             <a:pPr lvl="3"/>
             <a:r>
-              <a:rPr lang="en-US"/>
+              <a:rPr lang="en-US" smtClean="0"/>
               <a:t>Fourth level</a:t>
             </a:r>
           </a:p>
           <a:p>
             <a:pPr lvl="4"/>
             <a:r>
-              <a:rPr lang="en-US"/>
+              <a:rPr lang="en-US" smtClean="0"/>
               <a:t>Fifth level</a:t>
             </a:r>
-          </a:p>
-        </p:txBody>
-      </p:sp>
-      <p:sp>
-        <p:nvSpPr>
-          <p:cNvPr id="5" name="Text Placeholder 4"/>
+            <a:endParaRPr lang="en-US"/>
+          </a:p>
+        </p:txBody>
+      </p:sp>
+      <p:sp>
+        <p:nvSpPr>
+          <p:cNvPr id="1048632" name="Text Placeholder 4"/>
           <p:cNvSpPr>
             <a:spLocks noGrp="1"/>
           </p:cNvSpPr>
@@ -1642,7 +2070,7 @@
           <a:p>
             <a:pPr lvl="0"/>
             <a:r>
-              <a:rPr lang="en-US"/>
+              <a:rPr lang="en-US" smtClean="0"/>
               <a:t>Click to edit Master text styles</a:t>
             </a:r>
           </a:p>
@@ -1650,7 +2078,7 @@
       </p:sp>
       <p:sp>
         <p:nvSpPr>
-          <p:cNvPr id="6" name="Content Placeholder 5"/>
+          <p:cNvPr id="1048633" name="Content Placeholder 5"/>
           <p:cNvSpPr>
             <a:spLocks noGrp="1"/>
           </p:cNvSpPr>
@@ -1698,43 +2126,44 @@
           <a:p>
             <a:pPr lvl="0"/>
             <a:r>
-              <a:rPr lang="en-US"/>
+              <a:rPr lang="en-US" smtClean="0"/>
               <a:t>Click to edit Master text styles</a:t>
             </a:r>
           </a:p>
           <a:p>
             <a:pPr lvl="1"/>
             <a:r>
-              <a:rPr lang="en-US"/>
+              <a:rPr lang="en-US" smtClean="0"/>
               <a:t>Second level</a:t>
             </a:r>
           </a:p>
           <a:p>
             <a:pPr lvl="2"/>
             <a:r>
-              <a:rPr lang="en-US"/>
+              <a:rPr lang="en-US" smtClean="0"/>
               <a:t>Third level</a:t>
             </a:r>
           </a:p>
           <a:p>
             <a:pPr lvl="3"/>
             <a:r>
-              <a:rPr lang="en-US"/>
+              <a:rPr lang="en-US" smtClean="0"/>
               <a:t>Fourth level</a:t>
             </a:r>
           </a:p>
           <a:p>
             <a:pPr lvl="4"/>
             <a:r>
-              <a:rPr lang="en-US"/>
+              <a:rPr lang="en-US" smtClean="0"/>
               <a:t>Fifth level</a:t>
             </a:r>
-          </a:p>
-        </p:txBody>
-      </p:sp>
-      <p:sp>
-        <p:nvSpPr>
-          <p:cNvPr id="7" name="Date Placeholder 6"/>
+            <a:endParaRPr lang="en-US"/>
+          </a:p>
+        </p:txBody>
+      </p:sp>
+      <p:sp>
+        <p:nvSpPr>
+          <p:cNvPr id="1048634" name="Date Placeholder 6"/>
           <p:cNvSpPr>
             <a:spLocks noGrp="1"/>
           </p:cNvSpPr>
@@ -1750,7 +2179,7 @@
             <a:fld id="{1D8BD707-D9CF-40AE-B4C6-C98DA3205C09}" type="datetimeFigureOut">
               <a:rPr lang="en-US" smtClean="0"/>
               <a:pPr/>
-              <a:t>7/28/2020</a:t>
+              <a:t>30/07/2020</a:t>
             </a:fld>
             <a:endParaRPr lang="en-US"/>
           </a:p>
@@ -1758,7 +2187,7 @@
       </p:sp>
       <p:sp>
         <p:nvSpPr>
-          <p:cNvPr id="8" name="Footer Placeholder 7"/>
+          <p:cNvPr id="1048635" name="Footer Placeholder 7"/>
           <p:cNvSpPr>
             <a:spLocks noGrp="1"/>
           </p:cNvSpPr>
@@ -1777,7 +2206,7 @@
       </p:sp>
       <p:sp>
         <p:nvSpPr>
-          <p:cNvPr id="9" name="Slide Number Placeholder 8"/>
+          <p:cNvPr id="1048636" name="Slide Number Placeholder 8"/>
           <p:cNvSpPr>
             <a:spLocks noGrp="1"/>
           </p:cNvSpPr>
@@ -1826,7 +2255,7 @@
       </p:grpSpPr>
       <p:sp>
         <p:nvSpPr>
-          <p:cNvPr id="2" name="Title 1"/>
+          <p:cNvPr id="1048598" name="Title 1"/>
           <p:cNvSpPr>
             <a:spLocks noGrp="1"/>
           </p:cNvSpPr>
@@ -1840,15 +2269,16 @@
           <a:lstStyle/>
           <a:p>
             <a:r>
-              <a:rPr lang="en-US"/>
+              <a:rPr lang="en-US" smtClean="0"/>
               <a:t>Click to edit Master title style</a:t>
             </a:r>
-          </a:p>
-        </p:txBody>
-      </p:sp>
-      <p:sp>
-        <p:nvSpPr>
-          <p:cNvPr id="3" name="Date Placeholder 2"/>
+            <a:endParaRPr lang="en-US"/>
+          </a:p>
+        </p:txBody>
+      </p:sp>
+      <p:sp>
+        <p:nvSpPr>
+          <p:cNvPr id="1048599" name="Date Placeholder 2"/>
           <p:cNvSpPr>
             <a:spLocks noGrp="1"/>
           </p:cNvSpPr>
@@ -1864,7 +2294,7 @@
             <a:fld id="{1D8BD707-D9CF-40AE-B4C6-C98DA3205C09}" type="datetimeFigureOut">
               <a:rPr lang="en-US" smtClean="0"/>
               <a:pPr/>
-              <a:t>7/28/2020</a:t>
+              <a:t>30/07/2020</a:t>
             </a:fld>
             <a:endParaRPr lang="en-US"/>
           </a:p>
@@ -1872,7 +2302,7 @@
       </p:sp>
       <p:sp>
         <p:nvSpPr>
-          <p:cNvPr id="4" name="Footer Placeholder 3"/>
+          <p:cNvPr id="1048600" name="Footer Placeholder 3"/>
           <p:cNvSpPr>
             <a:spLocks noGrp="1"/>
           </p:cNvSpPr>
@@ -1891,7 +2321,7 @@
       </p:sp>
       <p:sp>
         <p:nvSpPr>
-          <p:cNvPr id="5" name="Slide Number Placeholder 4"/>
+          <p:cNvPr id="1048601" name="Slide Number Placeholder 4"/>
           <p:cNvSpPr>
             <a:spLocks noGrp="1"/>
           </p:cNvSpPr>
@@ -1940,7 +2370,7 @@
       </p:grpSpPr>
       <p:sp>
         <p:nvSpPr>
-          <p:cNvPr id="2" name="Date Placeholder 1"/>
+          <p:cNvPr id="1048637" name="Date Placeholder 1"/>
           <p:cNvSpPr>
             <a:spLocks noGrp="1"/>
           </p:cNvSpPr>
@@ -1956,7 +2386,7 @@
             <a:fld id="{1D8BD707-D9CF-40AE-B4C6-C98DA3205C09}" type="datetimeFigureOut">
               <a:rPr lang="en-US" smtClean="0"/>
               <a:pPr/>
-              <a:t>7/28/2020</a:t>
+              <a:t>30/07/2020</a:t>
             </a:fld>
             <a:endParaRPr lang="en-US"/>
           </a:p>
@@ -1964,7 +2394,7 @@
       </p:sp>
       <p:sp>
         <p:nvSpPr>
-          <p:cNvPr id="3" name="Footer Placeholder 2"/>
+          <p:cNvPr id="1048638" name="Footer Placeholder 2"/>
           <p:cNvSpPr>
             <a:spLocks noGrp="1"/>
           </p:cNvSpPr>
@@ -1983,7 +2413,7 @@
       </p:sp>
       <p:sp>
         <p:nvSpPr>
-          <p:cNvPr id="4" name="Slide Number Placeholder 3"/>
+          <p:cNvPr id="1048639" name="Slide Number Placeholder 3"/>
           <p:cNvSpPr>
             <a:spLocks noGrp="1"/>
           </p:cNvSpPr>
@@ -2032,7 +2462,7 @@
       </p:grpSpPr>
       <p:sp>
         <p:nvSpPr>
-          <p:cNvPr id="2" name="Title 1"/>
+          <p:cNvPr id="1048640" name="Title 1"/>
           <p:cNvSpPr>
             <a:spLocks noGrp="1"/>
           </p:cNvSpPr>
@@ -2055,15 +2485,16 @@
           </a:lstStyle>
           <a:p>
             <a:r>
-              <a:rPr lang="en-US"/>
+              <a:rPr lang="en-US" smtClean="0"/>
               <a:t>Click to edit Master title style</a:t>
             </a:r>
-          </a:p>
-        </p:txBody>
-      </p:sp>
-      <p:sp>
-        <p:nvSpPr>
-          <p:cNvPr id="3" name="Content Placeholder 2"/>
+            <a:endParaRPr lang="en-US"/>
+          </a:p>
+        </p:txBody>
+      </p:sp>
+      <p:sp>
+        <p:nvSpPr>
+          <p:cNvPr id="1048641" name="Content Placeholder 2"/>
           <p:cNvSpPr>
             <a:spLocks noGrp="1"/>
           </p:cNvSpPr>
@@ -2111,43 +2542,44 @@
           <a:p>
             <a:pPr lvl="0"/>
             <a:r>
-              <a:rPr lang="en-US"/>
+              <a:rPr lang="en-US" smtClean="0"/>
               <a:t>Click to edit Master text styles</a:t>
             </a:r>
           </a:p>
           <a:p>
             <a:pPr lvl="1"/>
             <a:r>
-              <a:rPr lang="en-US"/>
+              <a:rPr lang="en-US" smtClean="0"/>
               <a:t>Second level</a:t>
             </a:r>
           </a:p>
           <a:p>
             <a:pPr lvl="2"/>
             <a:r>
-              <a:rPr lang="en-US"/>
+              <a:rPr lang="en-US" smtClean="0"/>
               <a:t>Third level</a:t>
             </a:r>
           </a:p>
           <a:p>
             <a:pPr lvl="3"/>
             <a:r>
-              <a:rPr lang="en-US"/>
+              <a:rPr lang="en-US" smtClean="0"/>
               <a:t>Fourth level</a:t>
             </a:r>
           </a:p>
           <a:p>
             <a:pPr lvl="4"/>
             <a:r>
-              <a:rPr lang="en-US"/>
+              <a:rPr lang="en-US" smtClean="0"/>
               <a:t>Fifth level</a:t>
             </a:r>
-          </a:p>
-        </p:txBody>
-      </p:sp>
-      <p:sp>
-        <p:nvSpPr>
-          <p:cNvPr id="4" name="Text Placeholder 3"/>
+            <a:endParaRPr lang="en-US"/>
+          </a:p>
+        </p:txBody>
+      </p:sp>
+      <p:sp>
+        <p:nvSpPr>
+          <p:cNvPr id="1048642" name="Text Placeholder 3"/>
           <p:cNvSpPr>
             <a:spLocks noGrp="1"/>
           </p:cNvSpPr>
@@ -2204,7 +2636,7 @@
           <a:p>
             <a:pPr lvl="0"/>
             <a:r>
-              <a:rPr lang="en-US"/>
+              <a:rPr lang="en-US" smtClean="0"/>
               <a:t>Click to edit Master text styles</a:t>
             </a:r>
           </a:p>
@@ -2212,7 +2644,7 @@
       </p:sp>
       <p:sp>
         <p:nvSpPr>
-          <p:cNvPr id="5" name="Date Placeholder 4"/>
+          <p:cNvPr id="1048643" name="Date Placeholder 4"/>
           <p:cNvSpPr>
             <a:spLocks noGrp="1"/>
           </p:cNvSpPr>
@@ -2228,7 +2660,7 @@
             <a:fld id="{1D8BD707-D9CF-40AE-B4C6-C98DA3205C09}" type="datetimeFigureOut">
               <a:rPr lang="en-US" smtClean="0"/>
               <a:pPr/>
-              <a:t>7/28/2020</a:t>
+              <a:t>30/07/2020</a:t>
             </a:fld>
             <a:endParaRPr lang="en-US"/>
           </a:p>
@@ -2236,7 +2668,7 @@
       </p:sp>
       <p:sp>
         <p:nvSpPr>
-          <p:cNvPr id="6" name="Footer Placeholder 5"/>
+          <p:cNvPr id="1048644" name="Footer Placeholder 5"/>
           <p:cNvSpPr>
             <a:spLocks noGrp="1"/>
           </p:cNvSpPr>
@@ -2255,7 +2687,7 @@
       </p:sp>
       <p:sp>
         <p:nvSpPr>
-          <p:cNvPr id="7" name="Slide Number Placeholder 6"/>
+          <p:cNvPr id="1048645" name="Slide Number Placeholder 6"/>
           <p:cNvSpPr>
             <a:spLocks noGrp="1"/>
           </p:cNvSpPr>
@@ -2304,7 +2736,7 @@
       </p:grpSpPr>
       <p:sp>
         <p:nvSpPr>
-          <p:cNvPr id="2" name="Title 1"/>
+          <p:cNvPr id="1048607" name="Title 1"/>
           <p:cNvSpPr>
             <a:spLocks noGrp="1"/>
           </p:cNvSpPr>
@@ -2327,15 +2759,16 @@
           </a:lstStyle>
           <a:p>
             <a:r>
-              <a:rPr lang="en-US"/>
+              <a:rPr lang="en-US" smtClean="0"/>
               <a:t>Click to edit Master title style</a:t>
             </a:r>
-          </a:p>
-        </p:txBody>
-      </p:sp>
-      <p:sp>
-        <p:nvSpPr>
-          <p:cNvPr id="3" name="Picture Placeholder 2"/>
+            <a:endParaRPr lang="en-US"/>
+          </a:p>
+        </p:txBody>
+      </p:sp>
+      <p:sp>
+        <p:nvSpPr>
+          <p:cNvPr id="1048608" name="Picture Placeholder 2"/>
           <p:cNvSpPr>
             <a:spLocks noGrp="1"/>
           </p:cNvSpPr>
@@ -2396,7 +2829,7 @@
       </p:sp>
       <p:sp>
         <p:nvSpPr>
-          <p:cNvPr id="4" name="Text Placeholder 3"/>
+          <p:cNvPr id="1048609" name="Text Placeholder 3"/>
           <p:cNvSpPr>
             <a:spLocks noGrp="1"/>
           </p:cNvSpPr>
@@ -2453,7 +2886,7 @@
           <a:p>
             <a:pPr lvl="0"/>
             <a:r>
-              <a:rPr lang="en-US"/>
+              <a:rPr lang="en-US" smtClean="0"/>
               <a:t>Click to edit Master text styles</a:t>
             </a:r>
           </a:p>
@@ -2461,7 +2894,7 @@
       </p:sp>
       <p:sp>
         <p:nvSpPr>
-          <p:cNvPr id="5" name="Date Placeholder 4"/>
+          <p:cNvPr id="1048610" name="Date Placeholder 4"/>
           <p:cNvSpPr>
             <a:spLocks noGrp="1"/>
           </p:cNvSpPr>
@@ -2477,7 +2910,7 @@
             <a:fld id="{1D8BD707-D9CF-40AE-B4C6-C98DA3205C09}" type="datetimeFigureOut">
               <a:rPr lang="en-US" smtClean="0"/>
               <a:pPr/>
-              <a:t>7/28/2020</a:t>
+              <a:t>30/07/2020</a:t>
             </a:fld>
             <a:endParaRPr lang="en-US"/>
           </a:p>
@@ -2485,7 +2918,7 @@
       </p:sp>
       <p:sp>
         <p:nvSpPr>
-          <p:cNvPr id="6" name="Footer Placeholder 5"/>
+          <p:cNvPr id="1048611" name="Footer Placeholder 5"/>
           <p:cNvSpPr>
             <a:spLocks noGrp="1"/>
           </p:cNvSpPr>
@@ -2504,7 +2937,7 @@
       </p:sp>
       <p:sp>
         <p:nvSpPr>
-          <p:cNvPr id="7" name="Slide Number Placeholder 6"/>
+          <p:cNvPr id="1048612" name="Slide Number Placeholder 6"/>
           <p:cNvSpPr>
             <a:spLocks noGrp="1"/>
           </p:cNvSpPr>
@@ -2558,7 +2991,7 @@
       </p:grpSpPr>
       <p:sp>
         <p:nvSpPr>
-          <p:cNvPr id="2" name="Title Placeholder 1"/>
+          <p:cNvPr id="1048576" name="Title Placeholder 1"/>
           <p:cNvSpPr>
             <a:spLocks noGrp="1"/>
           </p:cNvSpPr>
@@ -2582,15 +3015,16 @@
           <a:lstStyle/>
           <a:p>
             <a:r>
-              <a:rPr lang="en-US"/>
+              <a:rPr lang="en-US" smtClean="0"/>
               <a:t>Click to edit Master title style</a:t>
             </a:r>
-          </a:p>
-        </p:txBody>
-      </p:sp>
-      <p:sp>
-        <p:nvSpPr>
-          <p:cNvPr id="3" name="Text Placeholder 2"/>
+            <a:endParaRPr lang="en-US"/>
+          </a:p>
+        </p:txBody>
+      </p:sp>
+      <p:sp>
+        <p:nvSpPr>
+          <p:cNvPr id="1048577" name="Text Placeholder 2"/>
           <p:cNvSpPr>
             <a:spLocks noGrp="1"/>
           </p:cNvSpPr>
@@ -2615,43 +3049,44 @@
           <a:p>
             <a:pPr lvl="0"/>
             <a:r>
-              <a:rPr lang="en-US"/>
+              <a:rPr lang="en-US" smtClean="0"/>
               <a:t>Click to edit Master text styles</a:t>
             </a:r>
           </a:p>
           <a:p>
             <a:pPr lvl="1"/>
             <a:r>
-              <a:rPr lang="en-US"/>
+              <a:rPr lang="en-US" smtClean="0"/>
               <a:t>Second level</a:t>
             </a:r>
           </a:p>
           <a:p>
             <a:pPr lvl="2"/>
             <a:r>
-              <a:rPr lang="en-US"/>
+              <a:rPr lang="en-US" smtClean="0"/>
               <a:t>Third level</a:t>
             </a:r>
           </a:p>
           <a:p>
             <a:pPr lvl="3"/>
             <a:r>
-              <a:rPr lang="en-US"/>
+              <a:rPr lang="en-US" smtClean="0"/>
               <a:t>Fourth level</a:t>
             </a:r>
           </a:p>
           <a:p>
             <a:pPr lvl="4"/>
             <a:r>
-              <a:rPr lang="en-US"/>
+              <a:rPr lang="en-US" smtClean="0"/>
               <a:t>Fifth level</a:t>
             </a:r>
-          </a:p>
-        </p:txBody>
-      </p:sp>
-      <p:sp>
-        <p:nvSpPr>
-          <p:cNvPr id="4" name="Date Placeholder 3"/>
+            <a:endParaRPr lang="en-US"/>
+          </a:p>
+        </p:txBody>
+      </p:sp>
+      <p:sp>
+        <p:nvSpPr>
+          <p:cNvPr id="1048578" name="Date Placeholder 3"/>
           <p:cNvSpPr>
             <a:spLocks noGrp="1"/>
           </p:cNvSpPr>
@@ -2685,7 +3120,7 @@
             <a:fld id="{1D8BD707-D9CF-40AE-B4C6-C98DA3205C09}" type="datetimeFigureOut">
               <a:rPr lang="en-US" smtClean="0"/>
               <a:pPr/>
-              <a:t>7/28/2020</a:t>
+              <a:t>30/07/2020</a:t>
             </a:fld>
             <a:endParaRPr lang="en-US"/>
           </a:p>
@@ -2693,7 +3128,7 @@
       </p:sp>
       <p:sp>
         <p:nvSpPr>
-          <p:cNvPr id="5" name="Footer Placeholder 4"/>
+          <p:cNvPr id="1048579" name="Footer Placeholder 4"/>
           <p:cNvSpPr>
             <a:spLocks noGrp="1"/>
           </p:cNvSpPr>
@@ -2730,7 +3165,7 @@
       </p:sp>
       <p:sp>
         <p:nvSpPr>
-          <p:cNvPr id="6" name="Slide Number Placeholder 5"/>
+          <p:cNvPr id="1048580" name="Slide Number Placeholder 5"/>
           <p:cNvSpPr>
             <a:spLocks noGrp="1"/>
           </p:cNvSpPr>
@@ -2774,17 +3209,17 @@
   </p:cSld>
   <p:clrMap bg1="lt1" tx1="dk1" bg2="lt2" tx2="dk2" accent1="accent1" accent2="accent2" accent3="accent3" accent4="accent4" accent5="accent5" accent6="accent6" hlink="hlink" folHlink="folHlink"/>
   <p:sldLayoutIdLst>
-    <p:sldLayoutId id="2147483649" r:id="rId1"/>
-    <p:sldLayoutId id="2147483650" r:id="rId2"/>
-    <p:sldLayoutId id="2147483651" r:id="rId3"/>
-    <p:sldLayoutId id="2147483652" r:id="rId4"/>
-    <p:sldLayoutId id="2147483653" r:id="rId5"/>
-    <p:sldLayoutId id="2147483654" r:id="rId6"/>
-    <p:sldLayoutId id="2147483655" r:id="rId7"/>
-    <p:sldLayoutId id="2147483656" r:id="rId8"/>
-    <p:sldLayoutId id="2147483657" r:id="rId9"/>
-    <p:sldLayoutId id="2147483658" r:id="rId10"/>
-    <p:sldLayoutId id="2147483659" r:id="rId11"/>
+    <p:sldLayoutId id="2147483685" r:id="rId1"/>
+    <p:sldLayoutId id="2147483686" r:id="rId2"/>
+    <p:sldLayoutId id="2147483687" r:id="rId3"/>
+    <p:sldLayoutId id="2147483688" r:id="rId4"/>
+    <p:sldLayoutId id="2147483689" r:id="rId5"/>
+    <p:sldLayoutId id="2147483690" r:id="rId6"/>
+    <p:sldLayoutId id="2147483691" r:id="rId7"/>
+    <p:sldLayoutId id="2147483692" r:id="rId8"/>
+    <p:sldLayoutId id="2147483693" r:id="rId9"/>
+    <p:sldLayoutId id="2147483694" r:id="rId10"/>
+    <p:sldLayoutId id="2147483695" r:id="rId11"/>
   </p:sldLayoutIdLst>
   <p:txStyles>
     <p:titleStyle>
@@ -3058,7 +3493,7 @@
       </p:grpSpPr>
       <p:sp>
         <p:nvSpPr>
-          <p:cNvPr id="4" name="Rectangle 3"/>
+          <p:cNvPr id="1048586" name="Rectangle 3"/>
           <p:cNvSpPr/>
           <p:nvPr/>
         </p:nvSpPr>
@@ -3071,7 +3506,9 @@
             <a:avLst/>
           </a:prstGeom>
           <a:solidFill>
-            <a:srgbClr val="FFC000"/>
+            <a:schemeClr val="accent6">
+              <a:lumMod val="75000"/>
+            </a:schemeClr>
           </a:solidFill>
         </p:spPr>
         <p:style>
@@ -3096,7 +3533,7 @@
           <a:p>
             <a:pPr algn="ctr"/>
             <a:r>
-              <a:rPr lang="en-US" sz="2000" b="1" dirty="0">
+              <a:rPr lang="en-US" sz="2000" b="1" dirty="0" smtClean="0">
                 <a:solidFill>
                   <a:schemeClr val="tx1"/>
                 </a:solidFill>
@@ -3108,7 +3545,7 @@
           </a:p>
           <a:p>
             <a:pPr algn="ctr"/>
-            <a:endParaRPr lang="en-US" dirty="0">
+            <a:endParaRPr lang="en-US" dirty="0" smtClean="0">
               <a:solidFill>
                 <a:schemeClr val="tx1"/>
               </a:solidFill>
@@ -3118,7 +3555,7 @@
           </a:p>
           <a:p>
             <a:r>
-              <a:rPr lang="en-US" dirty="0">
+              <a:rPr lang="en-US" dirty="0" smtClean="0">
                 <a:solidFill>
                   <a:schemeClr val="tx1"/>
                 </a:solidFill>
@@ -3128,7 +3565,7 @@
               <a:t>Institution name:    </a:t>
             </a:r>
             <a:br>
-              <a:rPr lang="en-US" dirty="0">
+              <a:rPr lang="en-US" dirty="0" smtClean="0">
                 <a:solidFill>
                   <a:schemeClr val="tx1"/>
                 </a:solidFill>
@@ -3137,7 +3574,7 @@
               </a:rPr>
             </a:br>
             <a:r>
-              <a:rPr lang="en-US" dirty="0">
+              <a:rPr lang="en-US" dirty="0" smtClean="0">
                 <a:solidFill>
                   <a:schemeClr val="tx1"/>
                 </a:solidFill>
@@ -3147,7 +3584,7 @@
               <a:t>Problem Statement :</a:t>
             </a:r>
             <a:br>
-              <a:rPr lang="en-US" dirty="0">
+              <a:rPr lang="en-US" dirty="0" smtClean="0">
                 <a:solidFill>
                   <a:schemeClr val="tx1"/>
                 </a:solidFill>
@@ -3156,7 +3593,7 @@
               </a:rPr>
             </a:br>
             <a:r>
-              <a:rPr lang="en-US" dirty="0">
+              <a:rPr lang="en-US" dirty="0" smtClean="0">
                 <a:solidFill>
                   <a:schemeClr val="tx1"/>
                 </a:solidFill>
@@ -3166,7 +3603,7 @@
               <a:t>Team Name :</a:t>
             </a:r>
             <a:br>
-              <a:rPr lang="en-US" dirty="0">
+              <a:rPr lang="en-US" dirty="0" smtClean="0">
                 <a:solidFill>
                   <a:schemeClr val="tx1"/>
                 </a:solidFill>
@@ -3175,24 +3612,14 @@
               </a:rPr>
             </a:br>
             <a:r>
-              <a:rPr lang="en-US" dirty="0">
+              <a:rPr lang="en-US" dirty="0" smtClean="0">
                 <a:solidFill>
                   <a:schemeClr val="tx1"/>
                 </a:solidFill>
                 <a:latin typeface="Times New Roman" pitchFamily="18" charset="0"/>
                 <a:cs typeface="Times New Roman" pitchFamily="18" charset="0"/>
               </a:rPr>
-              <a:t>Team Leader Name : 						</a:t>
-            </a:r>
-            <a:r>
-              <a:rPr lang="en-US">
-                <a:solidFill>
-                  <a:schemeClr val="tx1"/>
-                </a:solidFill>
-                <a:latin typeface="Times New Roman" pitchFamily="18" charset="0"/>
-                <a:cs typeface="Times New Roman" pitchFamily="18" charset="0"/>
-              </a:rPr>
-              <a:t>	</a:t>
+              <a:t>Team Leader Name : 								 </a:t>
             </a:r>
             <a:endParaRPr lang="en-US" dirty="0">
               <a:solidFill>
@@ -3231,7 +3658,7 @@
       </p:grpSpPr>
       <p:sp>
         <p:nvSpPr>
-          <p:cNvPr id="6" name="Rectangle 5"/>
+          <p:cNvPr id="1048592" name="Rectangle 5"/>
           <p:cNvSpPr/>
           <p:nvPr/>
         </p:nvSpPr>
@@ -3244,7 +3671,9 @@
             <a:avLst/>
           </a:prstGeom>
           <a:solidFill>
-            <a:srgbClr val="FFC000"/>
+            <a:schemeClr val="accent6">
+              <a:lumMod val="75000"/>
+            </a:schemeClr>
           </a:solidFill>
         </p:spPr>
         <p:style>
@@ -3267,11 +3696,9 @@
           <a:bodyPr rtlCol="0" anchor="ctr"/>
           <a:lstStyle/>
           <a:p>
-            <a:pPr lvl="0" algn="ctr" defTabSz="457200">
-              <a:defRPr/>
-            </a:pPr>
-            <a:r>
-              <a:rPr lang="en-US" dirty="0">
+            <a:pPr lvl="0" algn="ctr" defTabSz="457200"/>
+            <a:r>
+              <a:rPr lang="en-US" dirty="0" smtClean="0">
                 <a:solidFill>
                   <a:prstClr val="black"/>
                 </a:solidFill>
@@ -3280,12 +3707,19 @@
               </a:rPr>
               <a:t>Describe your idea  / Solution / Prototype here</a:t>
             </a:r>
-          </a:p>
-        </p:txBody>
-      </p:sp>
-      <p:sp>
-        <p:nvSpPr>
-          <p:cNvPr id="7" name="Rectangle 6"/>
+            <a:endParaRPr lang="en-US" dirty="0">
+              <a:solidFill>
+                <a:prstClr val="black"/>
+              </a:solidFill>
+              <a:latin typeface="Times New Roman" pitchFamily="18" charset="0"/>
+              <a:cs typeface="Times New Roman" pitchFamily="18" charset="0"/>
+            </a:endParaRPr>
+          </a:p>
+        </p:txBody>
+      </p:sp>
+      <p:sp>
+        <p:nvSpPr>
+          <p:cNvPr id="1048593" name="Rectangle 6"/>
           <p:cNvSpPr/>
           <p:nvPr/>
         </p:nvSpPr>
@@ -3298,7 +3732,9 @@
             <a:avLst/>
           </a:prstGeom>
           <a:solidFill>
-            <a:srgbClr val="FFC000"/>
+            <a:schemeClr val="accent6">
+              <a:lumMod val="75000"/>
+            </a:schemeClr>
           </a:solidFill>
         </p:spPr>
         <p:style>
@@ -3321,11 +3757,9 @@
           <a:bodyPr rtlCol="0" anchor="ctr"/>
           <a:lstStyle/>
           <a:p>
-            <a:pPr lvl="0" algn="ctr" defTabSz="457200">
-              <a:defRPr/>
-            </a:pPr>
-            <a:r>
-              <a:rPr lang="en-US" dirty="0">
+            <a:pPr lvl="0" algn="ctr" defTabSz="457200"/>
+            <a:r>
+              <a:rPr lang="en-US" dirty="0" smtClean="0">
                 <a:solidFill>
                   <a:prstClr val="black"/>
                 </a:solidFill>
@@ -3335,7 +3769,7 @@
               <a:t>Describe</a:t>
             </a:r>
             <a:r>
-              <a:rPr lang="en-US" sz="1200" dirty="0">
+              <a:rPr lang="en-US" sz="1200" dirty="0" smtClean="0">
                 <a:solidFill>
                   <a:prstClr val="white"/>
                 </a:solidFill>
@@ -3345,7 +3779,7 @@
               <a:t> </a:t>
             </a:r>
             <a:r>
-              <a:rPr lang="en-US" dirty="0">
+              <a:rPr lang="en-US" dirty="0" smtClean="0">
                 <a:solidFill>
                   <a:prstClr val="black"/>
                 </a:solidFill>
@@ -3354,19 +3788,26 @@
               </a:rPr>
               <a:t>your Technology stack here</a:t>
             </a:r>
-          </a:p>
-        </p:txBody>
-      </p:sp>
-      <p:sp>
-        <p:nvSpPr>
-          <p:cNvPr id="8" name="Rectangle 7"/>
+            <a:endParaRPr lang="en-US" dirty="0">
+              <a:solidFill>
+                <a:prstClr val="black"/>
+              </a:solidFill>
+              <a:latin typeface="Times New Roman" pitchFamily="18" charset="0"/>
+              <a:cs typeface="Times New Roman" pitchFamily="18" charset="0"/>
+            </a:endParaRPr>
+          </a:p>
+        </p:txBody>
+      </p:sp>
+      <p:sp>
+        <p:nvSpPr>
+          <p:cNvPr id="1048594" name="Rectangle 7"/>
           <p:cNvSpPr/>
           <p:nvPr/>
         </p:nvSpPr>
         <p:spPr>
           <a:xfrm>
             <a:off x="990600" y="762000"/>
-            <a:ext cx="3527119" cy="400110"/>
+            <a:ext cx="3180081" cy="396241"/>
           </a:xfrm>
           <a:prstGeom prst="rect">
             <a:avLst/>
@@ -3379,12 +3820,16 @@
           <a:lstStyle/>
           <a:p>
             <a:r>
-              <a:rPr lang="en-US" sz="2000" b="1" dirty="0">
+              <a:rPr lang="en-US" sz="2000" b="1" dirty="0" smtClean="0">
                 <a:latin typeface="Times New Roman" pitchFamily="18" charset="0"/>
                 <a:cs typeface="Times New Roman" pitchFamily="18" charset="0"/>
               </a:rPr>
               <a:t>IDEA/APPROACH DETAILS</a:t>
             </a:r>
+            <a:endParaRPr lang="en-US" sz="2000" b="1" dirty="0">
+              <a:latin typeface="Times New Roman" pitchFamily="18" charset="0"/>
+              <a:cs typeface="Times New Roman" pitchFamily="18" charset="0"/>
+            </a:endParaRPr>
           </a:p>
         </p:txBody>
       </p:sp>
@@ -3415,7 +3860,7 @@
       </p:grpSpPr>
       <p:sp>
         <p:nvSpPr>
-          <p:cNvPr id="4" name="Rectangle 3"/>
+          <p:cNvPr id="1048595" name="Rectangle 3"/>
           <p:cNvSpPr/>
           <p:nvPr/>
         </p:nvSpPr>
@@ -3428,7 +3873,9 @@
             <a:avLst/>
           </a:prstGeom>
           <a:solidFill>
-            <a:srgbClr val="FFC000"/>
+            <a:schemeClr val="accent6">
+              <a:lumMod val="75000"/>
+            </a:schemeClr>
           </a:solidFill>
         </p:spPr>
         <p:style>
@@ -3451,11 +3898,9 @@
           <a:bodyPr rtlCol="0" anchor="ctr"/>
           <a:lstStyle/>
           <a:p>
-            <a:pPr lvl="0" algn="ctr" defTabSz="457200">
-              <a:defRPr/>
-            </a:pPr>
-            <a:r>
-              <a:rPr lang="en-US" dirty="0">
+            <a:pPr lvl="0" algn="ctr" defTabSz="457200"/>
+            <a:r>
+              <a:rPr lang="en-US" dirty="0" smtClean="0">
                 <a:solidFill>
                   <a:prstClr val="black"/>
                 </a:solidFill>
@@ -3464,12 +3909,19 @@
               </a:rPr>
               <a:t>Describe your Use Cases here</a:t>
             </a:r>
-          </a:p>
-        </p:txBody>
-      </p:sp>
-      <p:sp>
-        <p:nvSpPr>
-          <p:cNvPr id="6" name="Rectangle 5"/>
+            <a:endParaRPr lang="en-US" dirty="0">
+              <a:solidFill>
+                <a:prstClr val="black"/>
+              </a:solidFill>
+              <a:latin typeface="Times New Roman" pitchFamily="18" charset="0"/>
+              <a:cs typeface="Times New Roman" pitchFamily="18" charset="0"/>
+            </a:endParaRPr>
+          </a:p>
+        </p:txBody>
+      </p:sp>
+      <p:sp>
+        <p:nvSpPr>
+          <p:cNvPr id="1048596" name="Rectangle 5"/>
           <p:cNvSpPr/>
           <p:nvPr/>
         </p:nvSpPr>
@@ -3482,7 +3934,9 @@
             <a:avLst/>
           </a:prstGeom>
           <a:solidFill>
-            <a:srgbClr val="FFC000"/>
+            <a:schemeClr val="accent6">
+              <a:lumMod val="75000"/>
+            </a:schemeClr>
           </a:solidFill>
         </p:spPr>
         <p:style>
@@ -3505,11 +3959,9 @@
           <a:bodyPr rtlCol="0" anchor="ctr"/>
           <a:lstStyle/>
           <a:p>
-            <a:pPr lvl="0" algn="ctr" defTabSz="457200">
-              <a:defRPr/>
-            </a:pPr>
-            <a:r>
-              <a:rPr lang="en-US" dirty="0">
+            <a:pPr lvl="0" algn="ctr" defTabSz="457200"/>
+            <a:r>
+              <a:rPr lang="en-US" dirty="0" smtClean="0">
                 <a:solidFill>
                   <a:prstClr val="black"/>
                 </a:solidFill>
@@ -3519,7 +3971,7 @@
               <a:t>Describe</a:t>
             </a:r>
             <a:r>
-              <a:rPr lang="en-US" sz="1200" dirty="0">
+              <a:rPr lang="en-US" sz="1200" dirty="0" smtClean="0">
                 <a:solidFill>
                   <a:prstClr val="white"/>
                 </a:solidFill>
@@ -3529,7 +3981,7 @@
               <a:t> </a:t>
             </a:r>
             <a:r>
-              <a:rPr lang="en-US" dirty="0">
+              <a:rPr lang="en-US" dirty="0" smtClean="0">
                 <a:solidFill>
                   <a:prstClr val="black"/>
                 </a:solidFill>
@@ -3538,19 +3990,26 @@
               </a:rPr>
               <a:t>your Dependencies / Show stopper here</a:t>
             </a:r>
-          </a:p>
-        </p:txBody>
-      </p:sp>
-      <p:sp>
-        <p:nvSpPr>
-          <p:cNvPr id="7" name="Rectangle 6"/>
+            <a:endParaRPr lang="en-US" dirty="0">
+              <a:solidFill>
+                <a:prstClr val="black"/>
+              </a:solidFill>
+              <a:latin typeface="Times New Roman" pitchFamily="18" charset="0"/>
+              <a:cs typeface="Times New Roman" pitchFamily="18" charset="0"/>
+            </a:endParaRPr>
+          </a:p>
+        </p:txBody>
+      </p:sp>
+      <p:sp>
+        <p:nvSpPr>
+          <p:cNvPr id="1048597" name="Rectangle 6"/>
           <p:cNvSpPr/>
           <p:nvPr/>
         </p:nvSpPr>
         <p:spPr>
           <a:xfrm>
             <a:off x="990600" y="838200"/>
-            <a:ext cx="3187604" cy="369332"/>
+            <a:ext cx="2900680" cy="358140"/>
           </a:xfrm>
           <a:prstGeom prst="rect">
             <a:avLst/>
@@ -3563,12 +4022,16 @@
           <a:lstStyle/>
           <a:p>
             <a:r>
-              <a:rPr lang="en-US" b="1" dirty="0">
+              <a:rPr lang="en-US" b="1" dirty="0" smtClean="0">
                 <a:latin typeface="Times New Roman" pitchFamily="18" charset="0"/>
                 <a:cs typeface="Times New Roman" pitchFamily="18" charset="0"/>
               </a:rPr>
               <a:t>IDEA/APPROACH DETAILS</a:t>
             </a:r>
+            <a:endParaRPr lang="en-US" b="1" dirty="0">
+              <a:latin typeface="Times New Roman" pitchFamily="18" charset="0"/>
+              <a:cs typeface="Times New Roman" pitchFamily="18" charset="0"/>
+            </a:endParaRPr>
           </a:p>
         </p:txBody>
       </p:sp>
@@ -3861,4 +4324,260 @@
   <a:objectDefaults/>
   <a:extraClrSchemeLst/>
 </a:theme>
+</file>
+
+<file path=ppt/theme/theme2.xml><?xml version="1.0" encoding="utf-8"?>
+<a:theme xmlns:a="http://schemas.openxmlformats.org/drawingml/2006/main" name="Office 主题">
+  <a:themeElements>
+    <a:clrScheme name="Office">
+      <a:dk1>
+        <a:sysClr val="windowText" lastClr="000000"/>
+      </a:dk1>
+      <a:lt1>
+        <a:sysClr val="window" lastClr="FFFFFF"/>
+      </a:lt1>
+      <a:dk2>
+        <a:srgbClr val="44546A"/>
+      </a:dk2>
+      <a:lt2>
+        <a:srgbClr val="E7E6E6"/>
+      </a:lt2>
+      <a:accent1>
+        <a:srgbClr val="5B9BD5"/>
+      </a:accent1>
+      <a:accent2>
+        <a:srgbClr val="ED7D31"/>
+      </a:accent2>
+      <a:accent3>
+        <a:srgbClr val="A5A5A5"/>
+      </a:accent3>
+      <a:accent4>
+        <a:srgbClr val="FFC000"/>
+      </a:accent4>
+      <a:accent5>
+        <a:srgbClr val="4472C4"/>
+      </a:accent5>
+      <a:accent6>
+        <a:srgbClr val="70AD47"/>
+      </a:accent6>
+      <a:hlink>
+        <a:srgbClr val="0563C1"/>
+      </a:hlink>
+      <a:folHlink>
+        <a:srgbClr val="954F72"/>
+      </a:folHlink>
+    </a:clrScheme>
+    <a:fontScheme name="Office">
+      <a:majorFont>
+        <a:latin typeface="Calibri Light"/>
+        <a:ea typeface=""/>
+        <a:cs typeface=""/>
+        <a:font script="Jpan" typeface="ＭＳ Ｐゴシック"/>
+        <a:font script="Hang" typeface="맑은 고딕"/>
+        <a:font script="Hans" typeface="宋体"/>
+        <a:font script="Hant" typeface="新細明體"/>
+        <a:font script="Arab" typeface="Times New Roman"/>
+        <a:font script="Hebr" typeface="Times New Roman"/>
+        <a:font script="Thai" typeface="Angsana New"/>
+        <a:font script="Ethi" typeface="Nyala"/>
+        <a:font script="Beng" typeface="Vrinda"/>
+        <a:font script="Gujr" typeface="Shruti"/>
+        <a:font script="Khmr" typeface="MoolBoran"/>
+        <a:font script="Knda" typeface="Tunga"/>
+        <a:font script="Guru" typeface="Raavi"/>
+        <a:font script="Cans" typeface="Euphemia"/>
+        <a:font script="Cher" typeface="Plantagenet Cherokee"/>
+        <a:font script="Yiii" typeface="Microsoft Yi Baiti"/>
+        <a:font script="Tibt" typeface="Microsoft Himalaya"/>
+        <a:font script="Thaa" typeface="MV Boli"/>
+        <a:font script="Deva" typeface="Mangal"/>
+        <a:font script="Telu" typeface="Gautami"/>
+        <a:font script="Taml" typeface="Latha"/>
+        <a:font script="Syrc" typeface="Estrangelo Edessa"/>
+        <a:font script="Orya" typeface="Kalinga"/>
+        <a:font script="Mlym" typeface="Kartika"/>
+        <a:font script="Laoo" typeface="DokChampa"/>
+        <a:font script="Sinh" typeface="Iskoola Pota"/>
+        <a:font script="Mong" typeface="Mongolian Baiti"/>
+        <a:font script="Viet" typeface="Times New Roman"/>
+        <a:font script="Uigh" typeface="Microsoft Uighur"/>
+        <a:font script="Geor" typeface="Sylfaen"/>
+      </a:majorFont>
+      <a:minorFont>
+        <a:latin typeface="Calibri"/>
+        <a:ea typeface=""/>
+        <a:cs typeface=""/>
+        <a:font script="Jpan" typeface="ＭＳ Ｐゴシック"/>
+        <a:font script="Hang" typeface="맑은 고딕"/>
+        <a:font script="Hans" typeface="宋体"/>
+        <a:font script="Hant" typeface="新細明體"/>
+        <a:font script="Arab" typeface="Arial"/>
+        <a:font script="Hebr" typeface="Arial"/>
+        <a:font script="Thai" typeface="Cordia New"/>
+        <a:font script="Ethi" typeface="Nyala"/>
+        <a:font script="Beng" typeface="Vrinda"/>
+        <a:font script="Gujr" typeface="Shruti"/>
+        <a:font script="Khmr" typeface="DaunPenh"/>
+        <a:font script="Knda" typeface="Tunga"/>
+        <a:font script="Guru" typeface="Raavi"/>
+        <a:font script="Cans" typeface="Euphemia"/>
+        <a:font script="Cher" typeface="Plantagenet Cherokee"/>
+        <a:font script="Yiii" typeface="Microsoft Yi Baiti"/>
+        <a:font script="Tibt" typeface="Microsoft Himalaya"/>
+        <a:font script="Thaa" typeface="MV Boli"/>
+        <a:font script="Deva" typeface="Mangal"/>
+        <a:font script="Telu" typeface="Gautami"/>
+        <a:font script="Taml" typeface="Latha"/>
+        <a:font script="Syrc" typeface="Estrangelo Edessa"/>
+        <a:font script="Orya" typeface="Kalinga"/>
+        <a:font script="Mlym" typeface="Kartika"/>
+        <a:font script="Laoo" typeface="DokChampa"/>
+        <a:font script="Sinh" typeface="Iskoola Pota"/>
+        <a:font script="Mong" typeface="Mongolian Baiti"/>
+        <a:font script="Viet" typeface="Arial"/>
+        <a:font script="Uigh" typeface="Microsoft Uighur"/>
+        <a:font script="Geor" typeface="Sylfaen"/>
+      </a:minorFont>
+    </a:fontScheme>
+    <a:fmtScheme name="Office">
+      <a:fillStyleLst>
+        <a:solidFill>
+          <a:schemeClr val="phClr"/>
+        </a:solidFill>
+        <a:gradFill rotWithShape="1">
+          <a:gsLst>
+            <a:gs pos="0">
+              <a:schemeClr val="phClr">
+                <a:lumMod val="110000"/>
+                <a:satMod val="105000"/>
+                <a:tint val="67000"/>
+              </a:schemeClr>
+            </a:gs>
+            <a:gs pos="50000">
+              <a:schemeClr val="phClr">
+                <a:lumMod val="105000"/>
+                <a:satMod val="103000"/>
+                <a:tint val="73000"/>
+              </a:schemeClr>
+            </a:gs>
+            <a:gs pos="100000">
+              <a:schemeClr val="phClr">
+                <a:lumMod val="105000"/>
+                <a:satMod val="109000"/>
+                <a:tint val="81000"/>
+              </a:schemeClr>
+            </a:gs>
+          </a:gsLst>
+          <a:lin ang="5400000" scaled="0"/>
+        </a:gradFill>
+        <a:gradFill rotWithShape="1">
+          <a:gsLst>
+            <a:gs pos="0">
+              <a:schemeClr val="phClr">
+                <a:satMod val="103000"/>
+                <a:lumMod val="102000"/>
+                <a:tint val="94000"/>
+              </a:schemeClr>
+            </a:gs>
+            <a:gs pos="50000">
+              <a:schemeClr val="phClr">
+                <a:satMod val="110000"/>
+                <a:lumMod val="100000"/>
+                <a:shade val="100000"/>
+              </a:schemeClr>
+            </a:gs>
+            <a:gs pos="100000">
+              <a:schemeClr val="phClr">
+                <a:lumMod val="99000"/>
+                <a:satMod val="120000"/>
+                <a:shade val="78000"/>
+              </a:schemeClr>
+            </a:gs>
+          </a:gsLst>
+          <a:lin ang="5400000" scaled="0"/>
+        </a:gradFill>
+      </a:fillStyleLst>
+      <a:lnStyleLst>
+        <a:ln w="6350" cap="flat" cmpd="sng" algn="ctr">
+          <a:solidFill>
+            <a:schemeClr val="phClr"/>
+          </a:solidFill>
+          <a:prstDash val="solid"/>
+          <a:miter lim="800000"/>
+        </a:ln>
+        <a:ln w="12700" cap="flat" cmpd="sng" algn="ctr">
+          <a:solidFill>
+            <a:schemeClr val="phClr"/>
+          </a:solidFill>
+          <a:prstDash val="solid"/>
+          <a:miter lim="800000"/>
+        </a:ln>
+        <a:ln w="19050" cap="flat" cmpd="sng" algn="ctr">
+          <a:solidFill>
+            <a:schemeClr val="phClr"/>
+          </a:solidFill>
+          <a:prstDash val="solid"/>
+          <a:miter lim="800000"/>
+        </a:ln>
+      </a:lnStyleLst>
+      <a:effectStyleLst>
+        <a:effectStyle>
+          <a:effectLst/>
+        </a:effectStyle>
+        <a:effectStyle>
+          <a:effectLst/>
+        </a:effectStyle>
+        <a:effectStyle>
+          <a:effectLst>
+            <a:outerShdw blurRad="57150" dist="19050" dir="5400000" algn="ctr" rotWithShape="0">
+              <a:srgbClr val="000000">
+                <a:alpha val="63000"/>
+              </a:srgbClr>
+            </a:outerShdw>
+          </a:effectLst>
+        </a:effectStyle>
+      </a:effectStyleLst>
+      <a:bgFillStyleLst>
+        <a:solidFill>
+          <a:schemeClr val="phClr"/>
+        </a:solidFill>
+        <a:solidFill>
+          <a:schemeClr val="phClr">
+            <a:tint val="95000"/>
+            <a:satMod val="170000"/>
+          </a:schemeClr>
+        </a:solidFill>
+        <a:gradFill rotWithShape="1">
+          <a:gsLst>
+            <a:gs pos="0">
+              <a:schemeClr val="phClr">
+                <a:tint val="93000"/>
+                <a:satMod val="150000"/>
+                <a:shade val="98000"/>
+                <a:lumMod val="102000"/>
+              </a:schemeClr>
+            </a:gs>
+            <a:gs pos="50000">
+              <a:schemeClr val="phClr">
+                <a:tint val="98000"/>
+                <a:satMod val="130000"/>
+                <a:shade val="90000"/>
+                <a:lumMod val="103000"/>
+              </a:schemeClr>
+            </a:gs>
+            <a:gs pos="100000">
+              <a:schemeClr val="phClr">
+                <a:shade val="63000"/>
+                <a:satMod val="120000"/>
+              </a:schemeClr>
+            </a:gs>
+          </a:gsLst>
+          <a:lin ang="5400000" scaled="0"/>
+        </a:gradFill>
+      </a:bgFillStyleLst>
+    </a:fmtScheme>
+  </a:themeElements>
+  <a:objectDefaults/>
+  <a:extraClrSchemeLst/>
+</a:theme>
 </file>
--- a/rulebook_files/Swayamsiddha HackathonTemplate.pptx
+++ b/rulebook_files/Swayamsiddha HackathonTemplate.pptx
@@ -5,12 +5,13 @@
     <p:sldMasterId id="2147483684" r:id="rId1"/>
   </p:sldMasterIdLst>
   <p:notesMasterIdLst>
-    <p:notesMasterId r:id="rId5"/>
+    <p:notesMasterId r:id="rId6"/>
   </p:notesMasterIdLst>
   <p:sldIdLst>
     <p:sldId id="268" r:id="rId2"/>
     <p:sldId id="269" r:id="rId3"/>
     <p:sldId id="270" r:id="rId4"/>
+    <p:sldId id="271" r:id="rId5"/>
   </p:sldIdLst>
   <p:sldSz cx="9144000" cy="6858000" type="screen4x3"/>
   <p:notesSz cx="6858000" cy="9144000"/>
@@ -109,6 +110,22 @@
       </a:defRPr>
     </a:lvl9pPr>
   </p:defaultTextStyle>
+  <p:extLst>
+    <p:ext uri="{EFAFB233-063F-42B5-8137-9DF3F51BA10A}">
+      <p15:sldGuideLst xmlns:p15="http://schemas.microsoft.com/office/powerpoint/2012/main">
+        <p15:guide id="1" orient="horz" pos="2160">
+          <p15:clr>
+            <a:srgbClr val="A4A3A4"/>
+          </p15:clr>
+        </p15:guide>
+        <p15:guide id="2" pos="2880">
+          <p15:clr>
+            <a:srgbClr val="A4A3A4"/>
+          </p15:clr>
+        </p15:guide>
+      </p15:sldGuideLst>
+    </p:ext>
+  </p:extLst>
 </p:presentation>
 </file>
 
@@ -290,35 +307,35 @@
           <a:p>
             <a:pPr lvl="0"/>
             <a:r>
-              <a:rPr lang="en-US" smtClean="0"/>
+              <a:rPr lang="en-US"/>
               <a:t>Click to edit Master text styles</a:t>
             </a:r>
           </a:p>
           <a:p>
             <a:pPr lvl="1"/>
             <a:r>
-              <a:rPr lang="en-US" smtClean="0"/>
+              <a:rPr lang="en-US"/>
               <a:t>Second level</a:t>
             </a:r>
           </a:p>
           <a:p>
             <a:pPr lvl="2"/>
             <a:r>
-              <a:rPr lang="en-US" smtClean="0"/>
+              <a:rPr lang="en-US"/>
               <a:t>Third level</a:t>
             </a:r>
           </a:p>
           <a:p>
             <a:pPr lvl="3"/>
             <a:r>
-              <a:rPr lang="en-US" smtClean="0"/>
+              <a:rPr lang="en-US"/>
               <a:t>Fourth level</a:t>
             </a:r>
           </a:p>
           <a:p>
             <a:pPr lvl="4"/>
             <a:r>
-              <a:rPr lang="en-US" smtClean="0"/>
+              <a:rPr lang="en-US"/>
               <a:t>Fifth level</a:t>
             </a:r>
           </a:p>
@@ -581,10 +598,9 @@
           <a:lstStyle/>
           <a:p>
             <a:r>
-              <a:rPr lang="en-US" smtClean="0"/>
+              <a:rPr lang="en-US"/>
               <a:t>Click to edit Master title style</a:t>
             </a:r>
-            <a:endParaRPr lang="en-US"/>
           </a:p>
         </p:txBody>
       </p:sp>
@@ -700,10 +716,9 @@
           </a:lstStyle>
           <a:p>
             <a:r>
-              <a:rPr lang="en-US" smtClean="0"/>
+              <a:rPr lang="en-US"/>
               <a:t>Click to edit Master subtitle style</a:t>
             </a:r>
-            <a:endParaRPr lang="en-US"/>
           </a:p>
         </p:txBody>
       </p:sp>
@@ -725,7 +740,7 @@
             <a:fld id="{1D8BD707-D9CF-40AE-B4C6-C98DA3205C09}" type="datetimeFigureOut">
               <a:rPr lang="en-US" smtClean="0"/>
               <a:pPr/>
-              <a:t>30/07/2020</a:t>
+              <a:t>8/7/2020</a:t>
             </a:fld>
             <a:endParaRPr lang="en-US"/>
           </a:p>
@@ -815,10 +830,9 @@
           <a:lstStyle/>
           <a:p>
             <a:r>
-              <a:rPr lang="en-US" smtClean="0"/>
+              <a:rPr lang="en-US"/>
               <a:t>Click to edit Master title style</a:t>
             </a:r>
-            <a:endParaRPr lang="en-US"/>
           </a:p>
         </p:txBody>
       </p:sp>
@@ -839,38 +853,37 @@
           <a:p>
             <a:pPr lvl="0"/>
             <a:r>
-              <a:rPr lang="en-US" smtClean="0"/>
+              <a:rPr lang="en-US"/>
               <a:t>Click to edit Master text styles</a:t>
             </a:r>
           </a:p>
           <a:p>
             <a:pPr lvl="1"/>
             <a:r>
-              <a:rPr lang="en-US" smtClean="0"/>
+              <a:rPr lang="en-US"/>
               <a:t>Second level</a:t>
             </a:r>
           </a:p>
           <a:p>
             <a:pPr lvl="2"/>
             <a:r>
-              <a:rPr lang="en-US" smtClean="0"/>
+              <a:rPr lang="en-US"/>
               <a:t>Third level</a:t>
             </a:r>
           </a:p>
           <a:p>
             <a:pPr lvl="3"/>
             <a:r>
-              <a:rPr lang="en-US" smtClean="0"/>
+              <a:rPr lang="en-US"/>
               <a:t>Fourth level</a:t>
             </a:r>
           </a:p>
           <a:p>
             <a:pPr lvl="4"/>
             <a:r>
-              <a:rPr lang="en-US" smtClean="0"/>
+              <a:rPr lang="en-US"/>
               <a:t>Fifth level</a:t>
             </a:r>
-            <a:endParaRPr lang="en-US"/>
           </a:p>
         </p:txBody>
       </p:sp>
@@ -892,7 +905,7 @@
             <a:fld id="{1D8BD707-D9CF-40AE-B4C6-C98DA3205C09}" type="datetimeFigureOut">
               <a:rPr lang="en-US" smtClean="0"/>
               <a:pPr/>
-              <a:t>30/07/2020</a:t>
+              <a:t>8/7/2020</a:t>
             </a:fld>
             <a:endParaRPr lang="en-US"/>
           </a:p>
@@ -987,10 +1000,9 @@
           <a:lstStyle/>
           <a:p>
             <a:r>
-              <a:rPr lang="en-US" smtClean="0"/>
+              <a:rPr lang="en-US"/>
               <a:t>Click to edit Master title style</a:t>
             </a:r>
-            <a:endParaRPr lang="en-US"/>
           </a:p>
         </p:txBody>
       </p:sp>
@@ -1016,38 +1028,37 @@
           <a:p>
             <a:pPr lvl="0"/>
             <a:r>
-              <a:rPr lang="en-US" smtClean="0"/>
+              <a:rPr lang="en-US"/>
               <a:t>Click to edit Master text styles</a:t>
             </a:r>
           </a:p>
           <a:p>
             <a:pPr lvl="1"/>
             <a:r>
-              <a:rPr lang="en-US" smtClean="0"/>
+              <a:rPr lang="en-US"/>
               <a:t>Second level</a:t>
             </a:r>
           </a:p>
           <a:p>
             <a:pPr lvl="2"/>
             <a:r>
-              <a:rPr lang="en-US" smtClean="0"/>
+              <a:rPr lang="en-US"/>
               <a:t>Third level</a:t>
             </a:r>
           </a:p>
           <a:p>
             <a:pPr lvl="3"/>
             <a:r>
-              <a:rPr lang="en-US" smtClean="0"/>
+              <a:rPr lang="en-US"/>
               <a:t>Fourth level</a:t>
             </a:r>
           </a:p>
           <a:p>
             <a:pPr lvl="4"/>
             <a:r>
-              <a:rPr lang="en-US" smtClean="0"/>
+              <a:rPr lang="en-US"/>
               <a:t>Fifth level</a:t>
             </a:r>
-            <a:endParaRPr lang="en-US"/>
           </a:p>
         </p:txBody>
       </p:sp>
@@ -1069,7 +1080,7 @@
             <a:fld id="{1D8BD707-D9CF-40AE-B4C6-C98DA3205C09}" type="datetimeFigureOut">
               <a:rPr lang="en-US" smtClean="0"/>
               <a:pPr/>
-              <a:t>30/07/2020</a:t>
+              <a:t>8/7/2020</a:t>
             </a:fld>
             <a:endParaRPr lang="en-US"/>
           </a:p>
@@ -1159,10 +1170,9 @@
           <a:lstStyle/>
           <a:p>
             <a:r>
-              <a:rPr lang="en-US" smtClean="0"/>
+              <a:rPr lang="en-US"/>
               <a:t>Click to edit Master title style</a:t>
             </a:r>
-            <a:endParaRPr lang="en-US"/>
           </a:p>
         </p:txBody>
       </p:sp>
@@ -1183,38 +1193,37 @@
           <a:p>
             <a:pPr lvl="0"/>
             <a:r>
-              <a:rPr lang="en-US" smtClean="0"/>
+              <a:rPr lang="en-US"/>
               <a:t>Click to edit Master text styles</a:t>
             </a:r>
           </a:p>
           <a:p>
             <a:pPr lvl="1"/>
             <a:r>
-              <a:rPr lang="en-US" smtClean="0"/>
+              <a:rPr lang="en-US"/>
               <a:t>Second level</a:t>
             </a:r>
           </a:p>
           <a:p>
             <a:pPr lvl="2"/>
             <a:r>
-              <a:rPr lang="en-US" smtClean="0"/>
+              <a:rPr lang="en-US"/>
               <a:t>Third level</a:t>
             </a:r>
           </a:p>
           <a:p>
             <a:pPr lvl="3"/>
             <a:r>
-              <a:rPr lang="en-US" smtClean="0"/>
+              <a:rPr lang="en-US"/>
               <a:t>Fourth level</a:t>
             </a:r>
           </a:p>
           <a:p>
             <a:pPr lvl="4"/>
             <a:r>
-              <a:rPr lang="en-US" smtClean="0"/>
+              <a:rPr lang="en-US"/>
               <a:t>Fifth level</a:t>
             </a:r>
-            <a:endParaRPr lang="en-US"/>
           </a:p>
         </p:txBody>
       </p:sp>
@@ -1236,7 +1245,7 @@
             <a:fld id="{1D8BD707-D9CF-40AE-B4C6-C98DA3205C09}" type="datetimeFigureOut">
               <a:rPr lang="en-US" smtClean="0"/>
               <a:pPr/>
-              <a:t>30/07/2020</a:t>
+              <a:t>8/7/2020</a:t>
             </a:fld>
             <a:endParaRPr lang="en-US"/>
           </a:p>
@@ -1335,10 +1344,9 @@
           </a:lstStyle>
           <a:p>
             <a:r>
-              <a:rPr lang="en-US" smtClean="0"/>
+              <a:rPr lang="en-US"/>
               <a:t>Click to edit Master title style</a:t>
             </a:r>
-            <a:endParaRPr lang="en-US"/>
           </a:p>
         </p:txBody>
       </p:sp>
@@ -1455,7 +1463,7 @@
           <a:p>
             <a:pPr lvl="0"/>
             <a:r>
-              <a:rPr lang="en-US" smtClean="0"/>
+              <a:rPr lang="en-US"/>
               <a:t>Click to edit Master text styles</a:t>
             </a:r>
           </a:p>
@@ -1479,7 +1487,7 @@
             <a:fld id="{1D8BD707-D9CF-40AE-B4C6-C98DA3205C09}" type="datetimeFigureOut">
               <a:rPr lang="en-US" smtClean="0"/>
               <a:pPr/>
-              <a:t>30/07/2020</a:t>
+              <a:t>8/7/2020</a:t>
             </a:fld>
             <a:endParaRPr lang="en-US"/>
           </a:p>
@@ -1569,10 +1577,9 @@
           <a:lstStyle/>
           <a:p>
             <a:r>
-              <a:rPr lang="en-US" smtClean="0"/>
+              <a:rPr lang="en-US"/>
               <a:t>Click to edit Master title style</a:t>
             </a:r>
-            <a:endParaRPr lang="en-US"/>
           </a:p>
         </p:txBody>
       </p:sp>
@@ -1626,38 +1633,37 @@
           <a:p>
             <a:pPr lvl="0"/>
             <a:r>
-              <a:rPr lang="en-US" smtClean="0"/>
+              <a:rPr lang="en-US"/>
               <a:t>Click to edit Master text styles</a:t>
             </a:r>
           </a:p>
           <a:p>
             <a:pPr lvl="1"/>
             <a:r>
-              <a:rPr lang="en-US" smtClean="0"/>
+              <a:rPr lang="en-US"/>
               <a:t>Second level</a:t>
             </a:r>
           </a:p>
           <a:p>
             <a:pPr lvl="2"/>
             <a:r>
-              <a:rPr lang="en-US" smtClean="0"/>
+              <a:rPr lang="en-US"/>
               <a:t>Third level</a:t>
             </a:r>
           </a:p>
           <a:p>
             <a:pPr lvl="3"/>
             <a:r>
-              <a:rPr lang="en-US" smtClean="0"/>
+              <a:rPr lang="en-US"/>
               <a:t>Fourth level</a:t>
             </a:r>
           </a:p>
           <a:p>
             <a:pPr lvl="4"/>
             <a:r>
-              <a:rPr lang="en-US" smtClean="0"/>
+              <a:rPr lang="en-US"/>
               <a:t>Fifth level</a:t>
             </a:r>
-            <a:endParaRPr lang="en-US"/>
           </a:p>
         </p:txBody>
       </p:sp>
@@ -1711,38 +1717,37 @@
           <a:p>
             <a:pPr lvl="0"/>
             <a:r>
-              <a:rPr lang="en-US" smtClean="0"/>
+              <a:rPr lang="en-US"/>
               <a:t>Click to edit Master text styles</a:t>
             </a:r>
           </a:p>
           <a:p>
             <a:pPr lvl="1"/>
             <a:r>
-              <a:rPr lang="en-US" smtClean="0"/>
+              <a:rPr lang="en-US"/>
               <a:t>Second level</a:t>
             </a:r>
           </a:p>
           <a:p>
             <a:pPr lvl="2"/>
             <a:r>
-              <a:rPr lang="en-US" smtClean="0"/>
+              <a:rPr lang="en-US"/>
               <a:t>Third level</a:t>
             </a:r>
           </a:p>
           <a:p>
             <a:pPr lvl="3"/>
             <a:r>
-              <a:rPr lang="en-US" smtClean="0"/>
+              <a:rPr lang="en-US"/>
               <a:t>Fourth level</a:t>
             </a:r>
           </a:p>
           <a:p>
             <a:pPr lvl="4"/>
             <a:r>
-              <a:rPr lang="en-US" smtClean="0"/>
+              <a:rPr lang="en-US"/>
               <a:t>Fifth level</a:t>
             </a:r>
-            <a:endParaRPr lang="en-US"/>
           </a:p>
         </p:txBody>
       </p:sp>
@@ -1764,7 +1769,7 @@
             <a:fld id="{1D8BD707-D9CF-40AE-B4C6-C98DA3205C09}" type="datetimeFigureOut">
               <a:rPr lang="en-US" smtClean="0"/>
               <a:pPr/>
-              <a:t>30/07/2020</a:t>
+              <a:t>8/7/2020</a:t>
             </a:fld>
             <a:endParaRPr lang="en-US"/>
           </a:p>
@@ -1854,10 +1859,9 @@
           <a:lstStyle/>
           <a:p>
             <a:r>
-              <a:rPr lang="en-US" smtClean="0"/>
+              <a:rPr lang="en-US"/>
               <a:t>Click to edit Master title style</a:t>
             </a:r>
-            <a:endParaRPr lang="en-US"/>
           </a:p>
         </p:txBody>
       </p:sp>
@@ -1920,7 +1924,7 @@
           <a:p>
             <a:pPr lvl="0"/>
             <a:r>
-              <a:rPr lang="en-US" smtClean="0"/>
+              <a:rPr lang="en-US"/>
               <a:t>Click to edit Master text styles</a:t>
             </a:r>
           </a:p>
@@ -1976,38 +1980,37 @@
           <a:p>
             <a:pPr lvl="0"/>
             <a:r>
-              <a:rPr lang="en-US" smtClean="0"/>
+              <a:rPr lang="en-US"/>
               <a:t>Click to edit Master text styles</a:t>
             </a:r>
           </a:p>
           <a:p>
             <a:pPr lvl="1"/>
             <a:r>
-              <a:rPr lang="en-US" smtClean="0"/>
+              <a:rPr lang="en-US"/>
               <a:t>Second level</a:t>
             </a:r>
           </a:p>
           <a:p>
             <a:pPr lvl="2"/>
             <a:r>
-              <a:rPr lang="en-US" smtClean="0"/>
+              <a:rPr lang="en-US"/>
               <a:t>Third level</a:t>
             </a:r>
           </a:p>
           <a:p>
             <a:pPr lvl="3"/>
             <a:r>
-              <a:rPr lang="en-US" smtClean="0"/>
+              <a:rPr lang="en-US"/>
               <a:t>Fourth level</a:t>
             </a:r>
           </a:p>
           <a:p>
             <a:pPr lvl="4"/>
             <a:r>
-              <a:rPr lang="en-US" smtClean="0"/>
+              <a:rPr lang="en-US"/>
               <a:t>Fifth level</a:t>
             </a:r>
-            <a:endParaRPr lang="en-US"/>
           </a:p>
         </p:txBody>
       </p:sp>
@@ -2070,7 +2073,7 @@
           <a:p>
             <a:pPr lvl="0"/>
             <a:r>
-              <a:rPr lang="en-US" smtClean="0"/>
+              <a:rPr lang="en-US"/>
               <a:t>Click to edit Master text styles</a:t>
             </a:r>
           </a:p>
@@ -2126,38 +2129,37 @@
           <a:p>
             <a:pPr lvl="0"/>
             <a:r>
-              <a:rPr lang="en-US" smtClean="0"/>
+              <a:rPr lang="en-US"/>
               <a:t>Click to edit Master text styles</a:t>
             </a:r>
           </a:p>
           <a:p>
             <a:pPr lvl="1"/>
             <a:r>
-              <a:rPr lang="en-US" smtClean="0"/>
+              <a:rPr lang="en-US"/>
               <a:t>Second level</a:t>
             </a:r>
           </a:p>
           <a:p>
             <a:pPr lvl="2"/>
             <a:r>
-              <a:rPr lang="en-US" smtClean="0"/>
+              <a:rPr lang="en-US"/>
               <a:t>Third level</a:t>
             </a:r>
           </a:p>
           <a:p>
             <a:pPr lvl="3"/>
             <a:r>
-              <a:rPr lang="en-US" smtClean="0"/>
+              <a:rPr lang="en-US"/>
               <a:t>Fourth level</a:t>
             </a:r>
           </a:p>
           <a:p>
             <a:pPr lvl="4"/>
             <a:r>
-              <a:rPr lang="en-US" smtClean="0"/>
+              <a:rPr lang="en-US"/>
               <a:t>Fifth level</a:t>
             </a:r>
-            <a:endParaRPr lang="en-US"/>
           </a:p>
         </p:txBody>
       </p:sp>
@@ -2179,7 +2181,7 @@
             <a:fld id="{1D8BD707-D9CF-40AE-B4C6-C98DA3205C09}" type="datetimeFigureOut">
               <a:rPr lang="en-US" smtClean="0"/>
               <a:pPr/>
-              <a:t>30/07/2020</a:t>
+              <a:t>8/7/2020</a:t>
             </a:fld>
             <a:endParaRPr lang="en-US"/>
           </a:p>
@@ -2269,10 +2271,9 @@
           <a:lstStyle/>
           <a:p>
             <a:r>
-              <a:rPr lang="en-US" smtClean="0"/>
+              <a:rPr lang="en-US"/>
               <a:t>Click to edit Master title style</a:t>
             </a:r>
-            <a:endParaRPr lang="en-US"/>
           </a:p>
         </p:txBody>
       </p:sp>
@@ -2294,7 +2295,7 @@
             <a:fld id="{1D8BD707-D9CF-40AE-B4C6-C98DA3205C09}" type="datetimeFigureOut">
               <a:rPr lang="en-US" smtClean="0"/>
               <a:pPr/>
-              <a:t>30/07/2020</a:t>
+              <a:t>8/7/2020</a:t>
             </a:fld>
             <a:endParaRPr lang="en-US"/>
           </a:p>
@@ -2386,7 +2387,7 @@
             <a:fld id="{1D8BD707-D9CF-40AE-B4C6-C98DA3205C09}" type="datetimeFigureOut">
               <a:rPr lang="en-US" smtClean="0"/>
               <a:pPr/>
-              <a:t>30/07/2020</a:t>
+              <a:t>8/7/2020</a:t>
             </a:fld>
             <a:endParaRPr lang="en-US"/>
           </a:p>
@@ -2485,10 +2486,9 @@
           </a:lstStyle>
           <a:p>
             <a:r>
-              <a:rPr lang="en-US" smtClean="0"/>
+              <a:rPr lang="en-US"/>
               <a:t>Click to edit Master title style</a:t>
             </a:r>
-            <a:endParaRPr lang="en-US"/>
           </a:p>
         </p:txBody>
       </p:sp>
@@ -2542,38 +2542,37 @@
           <a:p>
             <a:pPr lvl="0"/>
             <a:r>
-              <a:rPr lang="en-US" smtClean="0"/>
+              <a:rPr lang="en-US"/>
               <a:t>Click to edit Master text styles</a:t>
             </a:r>
           </a:p>
           <a:p>
             <a:pPr lvl="1"/>
             <a:r>
-              <a:rPr lang="en-US" smtClean="0"/>
+              <a:rPr lang="en-US"/>
               <a:t>Second level</a:t>
             </a:r>
           </a:p>
           <a:p>
             <a:pPr lvl="2"/>
             <a:r>
-              <a:rPr lang="en-US" smtClean="0"/>
+              <a:rPr lang="en-US"/>
               <a:t>Third level</a:t>
             </a:r>
           </a:p>
           <a:p>
             <a:pPr lvl="3"/>
             <a:r>
-              <a:rPr lang="en-US" smtClean="0"/>
+              <a:rPr lang="en-US"/>
               <a:t>Fourth level</a:t>
             </a:r>
           </a:p>
           <a:p>
             <a:pPr lvl="4"/>
             <a:r>
-              <a:rPr lang="en-US" smtClean="0"/>
+              <a:rPr lang="en-US"/>
               <a:t>Fifth level</a:t>
             </a:r>
-            <a:endParaRPr lang="en-US"/>
           </a:p>
         </p:txBody>
       </p:sp>
@@ -2636,7 +2635,7 @@
           <a:p>
             <a:pPr lvl="0"/>
             <a:r>
-              <a:rPr lang="en-US" smtClean="0"/>
+              <a:rPr lang="en-US"/>
               <a:t>Click to edit Master text styles</a:t>
             </a:r>
           </a:p>
@@ -2660,7 +2659,7 @@
             <a:fld id="{1D8BD707-D9CF-40AE-B4C6-C98DA3205C09}" type="datetimeFigureOut">
               <a:rPr lang="en-US" smtClean="0"/>
               <a:pPr/>
-              <a:t>30/07/2020</a:t>
+              <a:t>8/7/2020</a:t>
             </a:fld>
             <a:endParaRPr lang="en-US"/>
           </a:p>
@@ -2759,10 +2758,9 @@
           </a:lstStyle>
           <a:p>
             <a:r>
-              <a:rPr lang="en-US" smtClean="0"/>
+              <a:rPr lang="en-US"/>
               <a:t>Click to edit Master title style</a:t>
             </a:r>
-            <a:endParaRPr lang="en-US"/>
           </a:p>
         </p:txBody>
       </p:sp>
@@ -2886,7 +2884,7 @@
           <a:p>
             <a:pPr lvl="0"/>
             <a:r>
-              <a:rPr lang="en-US" smtClean="0"/>
+              <a:rPr lang="en-US"/>
               <a:t>Click to edit Master text styles</a:t>
             </a:r>
           </a:p>
@@ -2910,7 +2908,7 @@
             <a:fld id="{1D8BD707-D9CF-40AE-B4C6-C98DA3205C09}" type="datetimeFigureOut">
               <a:rPr lang="en-US" smtClean="0"/>
               <a:pPr/>
-              <a:t>30/07/2020</a:t>
+              <a:t>8/7/2020</a:t>
             </a:fld>
             <a:endParaRPr lang="en-US"/>
           </a:p>
@@ -3015,10 +3013,9 @@
           <a:lstStyle/>
           <a:p>
             <a:r>
-              <a:rPr lang="en-US" smtClean="0"/>
+              <a:rPr lang="en-US"/>
               <a:t>Click to edit Master title style</a:t>
             </a:r>
-            <a:endParaRPr lang="en-US"/>
           </a:p>
         </p:txBody>
       </p:sp>
@@ -3049,38 +3046,37 @@
           <a:p>
             <a:pPr lvl="0"/>
             <a:r>
-              <a:rPr lang="en-US" smtClean="0"/>
+              <a:rPr lang="en-US"/>
               <a:t>Click to edit Master text styles</a:t>
             </a:r>
           </a:p>
           <a:p>
             <a:pPr lvl="1"/>
             <a:r>
-              <a:rPr lang="en-US" smtClean="0"/>
+              <a:rPr lang="en-US"/>
               <a:t>Second level</a:t>
             </a:r>
           </a:p>
           <a:p>
             <a:pPr lvl="2"/>
             <a:r>
-              <a:rPr lang="en-US" smtClean="0"/>
+              <a:rPr lang="en-US"/>
               <a:t>Third level</a:t>
             </a:r>
           </a:p>
           <a:p>
             <a:pPr lvl="3"/>
             <a:r>
-              <a:rPr lang="en-US" smtClean="0"/>
+              <a:rPr lang="en-US"/>
               <a:t>Fourth level</a:t>
             </a:r>
           </a:p>
           <a:p>
             <a:pPr lvl="4"/>
             <a:r>
-              <a:rPr lang="en-US" smtClean="0"/>
+              <a:rPr lang="en-US"/>
               <a:t>Fifth level</a:t>
             </a:r>
-            <a:endParaRPr lang="en-US"/>
           </a:p>
         </p:txBody>
       </p:sp>
@@ -3120,7 +3116,7 @@
             <a:fld id="{1D8BD707-D9CF-40AE-B4C6-C98DA3205C09}" type="datetimeFigureOut">
               <a:rPr lang="en-US" smtClean="0"/>
               <a:pPr/>
-              <a:t>30/07/2020</a:t>
+              <a:t>8/7/2020</a:t>
             </a:fld>
             <a:endParaRPr lang="en-US"/>
           </a:p>
@@ -3533,7 +3529,7 @@
           <a:p>
             <a:pPr algn="ctr"/>
             <a:r>
-              <a:rPr lang="en-US" sz="2000" b="1" dirty="0" smtClean="0">
+              <a:rPr lang="en-US" sz="2000" b="1" dirty="0">
                 <a:solidFill>
                   <a:schemeClr val="tx1"/>
                 </a:solidFill>
@@ -3545,7 +3541,7 @@
           </a:p>
           <a:p>
             <a:pPr algn="ctr"/>
-            <a:endParaRPr lang="en-US" dirty="0" smtClean="0">
+            <a:endParaRPr lang="en-US" dirty="0">
               <a:solidFill>
                 <a:schemeClr val="tx1"/>
               </a:solidFill>
@@ -3554,18 +3550,64 @@
             </a:endParaRPr>
           </a:p>
           <a:p>
-            <a:r>
-              <a:rPr lang="en-US" dirty="0" smtClean="0">
+            <a:pPr algn="ctr"/>
+            <a:endParaRPr lang="en-US" dirty="0">
+              <a:solidFill>
+                <a:schemeClr val="tx1"/>
+              </a:solidFill>
+              <a:latin typeface="Times New Roman" pitchFamily="18" charset="0"/>
+              <a:cs typeface="Times New Roman" pitchFamily="18" charset="0"/>
+            </a:endParaRPr>
+          </a:p>
+          <a:p>
+            <a:r>
+              <a:rPr lang="en-US" dirty="0">
                 <a:solidFill>
                   <a:schemeClr val="tx1"/>
                 </a:solidFill>
                 <a:latin typeface="Times New Roman" pitchFamily="18" charset="0"/>
                 <a:cs typeface="Times New Roman" pitchFamily="18" charset="0"/>
               </a:rPr>
-              <a:t>Institution name:    </a:t>
+              <a:t>Theme:</a:t>
+            </a:r>
+          </a:p>
+          <a:p>
+            <a:r>
+              <a:rPr lang="en-US" dirty="0">
+                <a:solidFill>
+                  <a:schemeClr val="tx1"/>
+                </a:solidFill>
+                <a:latin typeface="Times New Roman" pitchFamily="18" charset="0"/>
+                <a:cs typeface="Times New Roman" pitchFamily="18" charset="0"/>
+              </a:rPr>
+              <a:t>Name of the Team: </a:t>
+            </a:r>
+          </a:p>
+          <a:p>
+            <a:r>
+              <a:rPr lang="en-US" dirty="0">
+                <a:solidFill>
+                  <a:schemeClr val="tx1"/>
+                </a:solidFill>
+                <a:latin typeface="Times New Roman" pitchFamily="18" charset="0"/>
+                <a:cs typeface="Times New Roman" pitchFamily="18" charset="0"/>
+              </a:rPr>
+              <a:t>Team Leader Name :                                            </a:t>
+            </a:r>
+          </a:p>
+          <a:p>
+            <a:r>
+              <a:rPr lang="en-US" dirty="0">
+                <a:solidFill>
+                  <a:schemeClr val="tx1"/>
+                </a:solidFill>
+                <a:latin typeface="Times New Roman" pitchFamily="18" charset="0"/>
+                <a:cs typeface="Times New Roman" pitchFamily="18" charset="0"/>
+              </a:rPr>
+              <a:t>Name of the Institute:    </a:t>
             </a:r>
             <a:br>
-              <a:rPr lang="en-US" dirty="0" smtClean="0">
+              <a:rPr lang="en-US" dirty="0">
                 <a:solidFill>
                   <a:schemeClr val="tx1"/>
                 </a:solidFill>
@@ -3574,17 +3616,28 @@
               </a:rPr>
             </a:br>
             <a:r>
-              <a:rPr lang="en-US" dirty="0" smtClean="0">
+              <a:rPr lang="en-US" dirty="0">
                 <a:solidFill>
                   <a:schemeClr val="tx1"/>
                 </a:solidFill>
                 <a:latin typeface="Times New Roman" pitchFamily="18" charset="0"/>
                 <a:cs typeface="Times New Roman" pitchFamily="18" charset="0"/>
               </a:rPr>
-              <a:t>Problem Statement :</a:t>
+              <a:t>Title </a:t>
+            </a:r>
+            <a:r>
+              <a:rPr lang="en-GB" sz="1800" dirty="0">
+                <a:solidFill>
+                  <a:schemeClr val="tx1"/>
+                </a:solidFill>
+                <a:effectLst/>
+                <a:latin typeface="Times New Roman" panose="02020603050405020304" pitchFamily="18" charset="0"/>
+                <a:ea typeface="Times New Roman" panose="02020603050405020304" pitchFamily="18" charset="0"/>
+              </a:rPr>
+              <a:t>of Project/Idea:</a:t>
             </a:r>
             <a:br>
-              <a:rPr lang="en-US" dirty="0" smtClean="0">
+              <a:rPr lang="en-US" dirty="0">
                 <a:solidFill>
                   <a:schemeClr val="tx1"/>
                 </a:solidFill>
@@ -3593,41 +3646,15 @@
               </a:rPr>
             </a:br>
             <a:r>
-              <a:rPr lang="en-US" dirty="0" smtClean="0">
+              <a:rPr lang="en-US" dirty="0">
                 <a:solidFill>
                   <a:schemeClr val="tx1"/>
                 </a:solidFill>
                 <a:latin typeface="Times New Roman" pitchFamily="18" charset="0"/>
                 <a:cs typeface="Times New Roman" pitchFamily="18" charset="0"/>
               </a:rPr>
-              <a:t>Team Name :</a:t>
-            </a:r>
-            <a:br>
-              <a:rPr lang="en-US" dirty="0" smtClean="0">
-                <a:solidFill>
-                  <a:schemeClr val="tx1"/>
-                </a:solidFill>
-                <a:latin typeface="Times New Roman" pitchFamily="18" charset="0"/>
-                <a:cs typeface="Times New Roman" pitchFamily="18" charset="0"/>
-              </a:rPr>
-            </a:br>
-            <a:r>
-              <a:rPr lang="en-US" dirty="0" smtClean="0">
-                <a:solidFill>
-                  <a:schemeClr val="tx1"/>
-                </a:solidFill>
-                <a:latin typeface="Times New Roman" pitchFamily="18" charset="0"/>
-                <a:cs typeface="Times New Roman" pitchFamily="18" charset="0"/>
-              </a:rPr>
-              <a:t>Team Leader Name : 								 </a:t>
-            </a:r>
-            <a:endParaRPr lang="en-US" dirty="0">
-              <a:solidFill>
-                <a:schemeClr val="tx1"/>
-              </a:solidFill>
-              <a:latin typeface="Times New Roman" pitchFamily="18" charset="0"/>
-              <a:cs typeface="Times New Roman" pitchFamily="18" charset="0"/>
-            </a:endParaRPr>
+              <a:t>								 </a:t>
+            </a:r>
           </a:p>
         </p:txBody>
       </p:sp>
@@ -3696,17 +3723,46 @@
           <a:bodyPr rtlCol="0" anchor="ctr"/>
           <a:lstStyle/>
           <a:p>
+            <a:pPr algn="ctr" defTabSz="457200"/>
+            <a:r>
+              <a:rPr lang="en-GB" sz="1800" dirty="0">
+                <a:solidFill>
+                  <a:schemeClr val="tx1"/>
+                </a:solidFill>
+                <a:effectLst/>
+              </a:rPr>
+              <a:t>Innovation:</a:t>
+            </a:r>
+            <a:endParaRPr lang="en-IN" sz="2400" dirty="0">
+              <a:solidFill>
+                <a:schemeClr val="tx1"/>
+              </a:solidFill>
+              <a:effectLst/>
+            </a:endParaRPr>
+          </a:p>
+          <a:p>
+            <a:pPr algn="ctr" defTabSz="457200"/>
+            <a:r>
+              <a:rPr lang="en-GB" sz="1800" dirty="0">
+                <a:solidFill>
+                  <a:schemeClr val="tx1"/>
+                </a:solidFill>
+                <a:effectLst/>
+              </a:rPr>
+              <a:t>How Innovative is the idea </a:t>
+            </a:r>
+            <a:endParaRPr lang="en-IN" sz="2400" dirty="0">
+              <a:solidFill>
+                <a:schemeClr val="tx1"/>
+              </a:solidFill>
+              <a:effectLst/>
+              <a:latin typeface="Calibri" panose="020F0502020204030204" pitchFamily="34" charset="0"/>
+              <a:ea typeface="Times New Roman" panose="02020603050405020304" pitchFamily="18" charset="0"/>
+              <a:cs typeface="Mangal" panose="02040503050203030202" pitchFamily="18" charset="0"/>
+            </a:endParaRPr>
+          </a:p>
+          <a:p>
             <a:pPr lvl="0" algn="ctr" defTabSz="457200"/>
-            <a:r>
-              <a:rPr lang="en-US" dirty="0" smtClean="0">
-                <a:solidFill>
-                  <a:prstClr val="black"/>
-                </a:solidFill>
-                <a:latin typeface="Times New Roman" pitchFamily="18" charset="0"/>
-                <a:cs typeface="Times New Roman" pitchFamily="18" charset="0"/>
-              </a:rPr>
-              <a:t>Describe your idea  / Solution / Prototype here</a:t>
-            </a:r>
             <a:endParaRPr lang="en-US" dirty="0">
               <a:solidFill>
                 <a:prstClr val="black"/>
@@ -3759,38 +3815,33 @@
           <a:p>
             <a:pPr lvl="0" algn="ctr" defTabSz="457200"/>
             <a:r>
-              <a:rPr lang="en-US" dirty="0" smtClean="0">
+              <a:rPr lang="en-GB" sz="1800" dirty="0">
                 <a:solidFill>
-                  <a:prstClr val="black"/>
+                  <a:schemeClr val="tx1"/>
                 </a:solidFill>
-                <a:latin typeface="Times New Roman" pitchFamily="18" charset="0"/>
-                <a:cs typeface="Times New Roman" pitchFamily="18" charset="0"/>
+                <a:effectLst/>
+                <a:latin typeface="Times New Roman" panose="02020603050405020304" pitchFamily="18" charset="0"/>
+                <a:ea typeface="Times New Roman" panose="02020603050405020304" pitchFamily="18" charset="0"/>
               </a:rPr>
-              <a:t>Describe</a:t>
-            </a:r>
-            <a:r>
-              <a:rPr lang="en-US" sz="1200" dirty="0" smtClean="0">
+              <a:t>Multidisciplinary:</a:t>
+            </a:r>
+          </a:p>
+          <a:p>
+            <a:pPr lvl="0" algn="ctr" defTabSz="457200"/>
+            <a:r>
+              <a:rPr lang="en-GB" sz="1800" dirty="0">
                 <a:solidFill>
-                  <a:prstClr val="white"/>
+                  <a:schemeClr val="tx1"/>
                 </a:solidFill>
-                <a:latin typeface="Times New Roman" pitchFamily="18" charset="0"/>
-                <a:cs typeface="Times New Roman" pitchFamily="18" charset="0"/>
+                <a:effectLst/>
+                <a:latin typeface="Times New Roman" panose="02020603050405020304" pitchFamily="18" charset="0"/>
+                <a:ea typeface="Times New Roman" panose="02020603050405020304" pitchFamily="18" charset="0"/>
               </a:rPr>
-              <a:t> </a:t>
-            </a:r>
-            <a:r>
-              <a:rPr lang="en-US" dirty="0" smtClean="0">
-                <a:solidFill>
-                  <a:prstClr val="black"/>
-                </a:solidFill>
-                <a:latin typeface="Times New Roman" pitchFamily="18" charset="0"/>
-                <a:cs typeface="Times New Roman" pitchFamily="18" charset="0"/>
-              </a:rPr>
-              <a:t>your Technology stack here</a:t>
+              <a:t>The well assembled team includes different members in each branch of expertise</a:t>
             </a:r>
             <a:endParaRPr lang="en-US" dirty="0">
               <a:solidFill>
-                <a:prstClr val="black"/>
+                <a:schemeClr val="tx1"/>
               </a:solidFill>
               <a:latin typeface="Times New Roman" pitchFamily="18" charset="0"/>
               <a:cs typeface="Times New Roman" pitchFamily="18" charset="0"/>
@@ -3807,7 +3858,7 @@
         <p:spPr>
           <a:xfrm>
             <a:off x="990600" y="762000"/>
-            <a:ext cx="3180081" cy="396241"/>
+            <a:ext cx="1329146" cy="369332"/>
           </a:xfrm>
           <a:prstGeom prst="rect">
             <a:avLst/>
@@ -3820,11 +3871,12 @@
           <a:lstStyle/>
           <a:p>
             <a:r>
-              <a:rPr lang="en-US" sz="2000" b="1" dirty="0" smtClean="0">
-                <a:latin typeface="Times New Roman" pitchFamily="18" charset="0"/>
-                <a:cs typeface="Times New Roman" pitchFamily="18" charset="0"/>
+              <a:rPr lang="en-GB" sz="1800" dirty="0">
+                <a:effectLst/>
+                <a:latin typeface="Times New Roman" panose="02020603050405020304" pitchFamily="18" charset="0"/>
+                <a:ea typeface="Times New Roman" panose="02020603050405020304" pitchFamily="18" charset="0"/>
               </a:rPr>
-              <a:t>IDEA/APPROACH DETAILS</a:t>
+              <a:t>Idea &amp;Team</a:t>
             </a:r>
             <a:endParaRPr lang="en-US" sz="2000" b="1" dirty="0">
               <a:latin typeface="Times New Roman" pitchFamily="18" charset="0"/>
@@ -3866,7 +3918,7 @@
         </p:nvSpPr>
         <p:spPr>
           <a:xfrm>
-            <a:off x="990600" y="1524000"/>
+            <a:off x="951723" y="1119464"/>
             <a:ext cx="7162800" cy="1600200"/>
           </a:xfrm>
           <a:prstGeom prst="rect">
@@ -3900,18 +3952,33 @@
           <a:p>
             <a:pPr lvl="0" algn="ctr" defTabSz="457200"/>
             <a:r>
-              <a:rPr lang="en-US" dirty="0" smtClean="0">
+              <a:rPr lang="en-GB" sz="1800" dirty="0">
                 <a:solidFill>
-                  <a:prstClr val="black"/>
+                  <a:schemeClr val="tx1"/>
                 </a:solidFill>
-                <a:latin typeface="Times New Roman" pitchFamily="18" charset="0"/>
-                <a:cs typeface="Times New Roman" pitchFamily="18" charset="0"/>
+                <a:effectLst/>
+                <a:latin typeface="Times New Roman" panose="02020603050405020304" pitchFamily="18" charset="0"/>
+                <a:ea typeface="Times New Roman" panose="02020603050405020304" pitchFamily="18" charset="0"/>
               </a:rPr>
-              <a:t>Describe your Use Cases here</a:t>
+              <a:t>Creativity:</a:t>
+            </a:r>
+          </a:p>
+          <a:p>
+            <a:pPr lvl="0" algn="ctr" defTabSz="457200"/>
+            <a:r>
+              <a:rPr lang="en-GB" sz="1800" dirty="0">
+                <a:solidFill>
+                  <a:schemeClr val="tx1"/>
+                </a:solidFill>
+                <a:effectLst/>
+                <a:latin typeface="Times New Roman" panose="02020603050405020304" pitchFamily="18" charset="0"/>
+                <a:ea typeface="Times New Roman" panose="02020603050405020304" pitchFamily="18" charset="0"/>
+              </a:rPr>
+              <a:t>How creative the solution ?</a:t>
             </a:r>
             <a:endParaRPr lang="en-US" dirty="0">
               <a:solidFill>
-                <a:prstClr val="black"/>
+                <a:schemeClr val="tx1"/>
               </a:solidFill>
               <a:latin typeface="Times New Roman" pitchFamily="18" charset="0"/>
               <a:cs typeface="Times New Roman" pitchFamily="18" charset="0"/>
@@ -3927,7 +3994,7 @@
         </p:nvSpPr>
         <p:spPr>
           <a:xfrm>
-            <a:off x="990600" y="3505200"/>
+            <a:off x="951723" y="3106212"/>
             <a:ext cx="7162800" cy="1600200"/>
           </a:xfrm>
           <a:prstGeom prst="rect">
@@ -3961,38 +4028,33 @@
           <a:p>
             <a:pPr lvl="0" algn="ctr" defTabSz="457200"/>
             <a:r>
-              <a:rPr lang="en-US" dirty="0" smtClean="0">
+              <a:rPr lang="en-GB" sz="1800" dirty="0">
                 <a:solidFill>
-                  <a:prstClr val="black"/>
+                  <a:schemeClr val="tx1"/>
                 </a:solidFill>
-                <a:latin typeface="Times New Roman" pitchFamily="18" charset="0"/>
-                <a:cs typeface="Times New Roman" pitchFamily="18" charset="0"/>
+                <a:effectLst/>
+                <a:latin typeface="Times New Roman" panose="02020603050405020304" pitchFamily="18" charset="0"/>
+                <a:ea typeface="Times New Roman" panose="02020603050405020304" pitchFamily="18" charset="0"/>
               </a:rPr>
-              <a:t>Describe</a:t>
-            </a:r>
-            <a:r>
-              <a:rPr lang="en-US" sz="1200" dirty="0" smtClean="0">
+              <a:t>Functionality:</a:t>
+            </a:r>
+          </a:p>
+          <a:p>
+            <a:pPr lvl="0" algn="ctr" defTabSz="457200"/>
+            <a:r>
+              <a:rPr lang="en-GB" sz="1800" dirty="0">
                 <a:solidFill>
-                  <a:prstClr val="white"/>
+                  <a:schemeClr val="tx1"/>
                 </a:solidFill>
-                <a:latin typeface="Times New Roman" pitchFamily="18" charset="0"/>
-                <a:cs typeface="Times New Roman" pitchFamily="18" charset="0"/>
+                <a:effectLst/>
+                <a:latin typeface="Times New Roman" panose="02020603050405020304" pitchFamily="18" charset="0"/>
+                <a:ea typeface="Times New Roman" panose="02020603050405020304" pitchFamily="18" charset="0"/>
               </a:rPr>
-              <a:t> </a:t>
-            </a:r>
-            <a:r>
-              <a:rPr lang="en-US" dirty="0" smtClean="0">
-                <a:solidFill>
-                  <a:prstClr val="black"/>
-                </a:solidFill>
-                <a:latin typeface="Times New Roman" pitchFamily="18" charset="0"/>
-                <a:cs typeface="Times New Roman" pitchFamily="18" charset="0"/>
-              </a:rPr>
-              <a:t>your Dependencies / Show stopper here</a:t>
+              <a:t>How technically sound is this project. Do the team has a functional prototype?</a:t>
             </a:r>
             <a:endParaRPr lang="en-US" dirty="0">
               <a:solidFill>
-                <a:prstClr val="black"/>
+                <a:schemeClr val="tx1"/>
               </a:solidFill>
               <a:latin typeface="Times New Roman" pitchFamily="18" charset="0"/>
               <a:cs typeface="Times New Roman" pitchFamily="18" charset="0"/>
@@ -4002,33 +4064,115 @@
       </p:sp>
       <p:sp>
         <p:nvSpPr>
-          <p:cNvPr id="1048597" name="Rectangle 6"/>
-          <p:cNvSpPr/>
+          <p:cNvPr id="8" name="TextBox 7">
+            <a:extLst>
+              <a:ext uri="{FF2B5EF4-FFF2-40B4-BE49-F238E27FC236}">
+                <a16:creationId xmlns:a16="http://schemas.microsoft.com/office/drawing/2014/main" id="{10E5D097-2E39-4F92-896B-630240C0B15C}"/>
+              </a:ext>
+            </a:extLst>
+          </p:cNvPr>
+          <p:cNvSpPr txBox="1"/>
           <p:nvPr/>
         </p:nvSpPr>
         <p:spPr>
           <a:xfrm>
-            <a:off x="990600" y="838200"/>
-            <a:ext cx="2900680" cy="358140"/>
+            <a:off x="957943" y="736346"/>
+            <a:ext cx="4572000" cy="369332"/>
           </a:xfrm>
           <a:prstGeom prst="rect">
             <a:avLst/>
           </a:prstGeom>
+          <a:noFill/>
         </p:spPr>
         <p:txBody>
-          <a:bodyPr wrap="none">
+          <a:bodyPr wrap="square">
             <a:spAutoFit/>
           </a:bodyPr>
           <a:lstStyle/>
           <a:p>
             <a:r>
-              <a:rPr lang="en-US" b="1" dirty="0" smtClean="0">
-                <a:latin typeface="Times New Roman" pitchFamily="18" charset="0"/>
-                <a:cs typeface="Times New Roman" pitchFamily="18" charset="0"/>
+              <a:rPr lang="en-IN" dirty="0"/>
+              <a:t>Technology</a:t>
+            </a:r>
+          </a:p>
+        </p:txBody>
+      </p:sp>
+      <p:sp>
+        <p:nvSpPr>
+          <p:cNvPr id="7" name="Rectangle 3">
+            <a:extLst>
+              <a:ext uri="{FF2B5EF4-FFF2-40B4-BE49-F238E27FC236}">
+                <a16:creationId xmlns:a16="http://schemas.microsoft.com/office/drawing/2014/main" id="{E992D09F-D5A4-47F3-A043-80B36A378559}"/>
+              </a:ext>
+            </a:extLst>
+          </p:cNvPr>
+          <p:cNvSpPr/>
+          <p:nvPr/>
+        </p:nvSpPr>
+        <p:spPr>
+          <a:xfrm>
+            <a:off x="950168" y="4938436"/>
+            <a:ext cx="7162800" cy="1600200"/>
+          </a:xfrm>
+          <a:prstGeom prst="rect">
+            <a:avLst/>
+          </a:prstGeom>
+          <a:solidFill>
+            <a:schemeClr val="accent6">
+              <a:lumMod val="75000"/>
+            </a:schemeClr>
+          </a:solidFill>
+        </p:spPr>
+        <p:style>
+          <a:lnRef idx="2">
+            <a:schemeClr val="accent1">
+              <a:shade val="50000"/>
+            </a:schemeClr>
+          </a:lnRef>
+          <a:fillRef idx="1">
+            <a:schemeClr val="accent1"/>
+          </a:fillRef>
+          <a:effectRef idx="0">
+            <a:schemeClr val="accent1"/>
+          </a:effectRef>
+          <a:fontRef idx="minor">
+            <a:schemeClr val="lt1"/>
+          </a:fontRef>
+        </p:style>
+        <p:txBody>
+          <a:bodyPr rtlCol="0" anchor="ctr"/>
+          <a:lstStyle/>
+          <a:p>
+            <a:pPr lvl="0" algn="ctr" defTabSz="457200"/>
+            <a:r>
+              <a:rPr lang="en-GB" sz="1800" dirty="0">
+                <a:solidFill>
+                  <a:schemeClr val="tx1"/>
+                </a:solidFill>
+                <a:effectLst/>
+                <a:latin typeface="Times New Roman" panose="02020603050405020304" pitchFamily="18" charset="0"/>
+                <a:ea typeface="Times New Roman" panose="02020603050405020304" pitchFamily="18" charset="0"/>
               </a:rPr>
-              <a:t>IDEA/APPROACH DETAILS</a:t>
-            </a:r>
-            <a:endParaRPr lang="en-US" b="1" dirty="0">
+              <a:t>Efficiency:</a:t>
+            </a:r>
+          </a:p>
+          <a:p>
+            <a:pPr lvl="0" algn="ctr" defTabSz="457200"/>
+            <a:r>
+              <a:rPr lang="en-GB" sz="1800" dirty="0">
+                <a:solidFill>
+                  <a:schemeClr val="tx1"/>
+                </a:solidFill>
+                <a:effectLst/>
+                <a:latin typeface="Times New Roman" panose="02020603050405020304" pitchFamily="18" charset="0"/>
+                <a:ea typeface="Times New Roman" panose="02020603050405020304" pitchFamily="18" charset="0"/>
+              </a:rPr>
+              <a:t>How well does the project make the use of chosen technology?</a:t>
+            </a:r>
+            <a:endParaRPr lang="en-US" dirty="0">
+              <a:solidFill>
+                <a:schemeClr val="tx1"/>
+              </a:solidFill>
               <a:latin typeface="Times New Roman" pitchFamily="18" charset="0"/>
               <a:cs typeface="Times New Roman" pitchFamily="18" charset="0"/>
             </a:endParaRPr>
@@ -4036,6 +4180,310 @@
         </p:txBody>
       </p:sp>
     </p:spTree>
+  </p:cSld>
+  <p:clrMapOvr>
+    <a:masterClrMapping/>
+  </p:clrMapOvr>
+</p:sld>
+</file>
+
+<file path=ppt/slides/slide4.xml><?xml version="1.0" encoding="utf-8"?>
+<p:sld xmlns:a="http://schemas.openxmlformats.org/drawingml/2006/main" xmlns:r="http://schemas.openxmlformats.org/officeDocument/2006/relationships" xmlns:p="http://schemas.openxmlformats.org/presentationml/2006/main">
+  <p:cSld>
+    <p:spTree>
+      <p:nvGrpSpPr>
+        <p:cNvPr id="1" name=""/>
+        <p:cNvGrpSpPr/>
+        <p:nvPr/>
+      </p:nvGrpSpPr>
+      <p:grpSpPr>
+        <a:xfrm>
+          <a:off x="0" y="0"/>
+          <a:ext cx="0" cy="0"/>
+          <a:chOff x="0" y="0"/>
+          <a:chExt cx="0" cy="0"/>
+        </a:xfrm>
+      </p:grpSpPr>
+      <p:sp>
+        <p:nvSpPr>
+          <p:cNvPr id="13" name="TextBox 12">
+            <a:extLst>
+              <a:ext uri="{FF2B5EF4-FFF2-40B4-BE49-F238E27FC236}">
+                <a16:creationId xmlns:a16="http://schemas.microsoft.com/office/drawing/2014/main" id="{1B524555-C1A0-4EAD-BABF-85EBCB872661}"/>
+              </a:ext>
+            </a:extLst>
+          </p:cNvPr>
+          <p:cNvSpPr txBox="1"/>
+          <p:nvPr/>
+        </p:nvSpPr>
+        <p:spPr>
+          <a:xfrm>
+            <a:off x="838200" y="382351"/>
+            <a:ext cx="4572000" cy="369332"/>
+          </a:xfrm>
+          <a:prstGeom prst="rect">
+            <a:avLst/>
+          </a:prstGeom>
+          <a:noFill/>
+        </p:spPr>
+        <p:txBody>
+          <a:bodyPr wrap="square">
+            <a:spAutoFit/>
+          </a:bodyPr>
+          <a:lstStyle/>
+          <a:p>
+            <a:r>
+              <a:rPr lang="en-IN" dirty="0"/>
+              <a:t>Entrepreneurship</a:t>
+            </a:r>
+          </a:p>
+        </p:txBody>
+      </p:sp>
+      <p:sp>
+        <p:nvSpPr>
+          <p:cNvPr id="19" name="Rectangle 3">
+            <a:extLst>
+              <a:ext uri="{FF2B5EF4-FFF2-40B4-BE49-F238E27FC236}">
+                <a16:creationId xmlns:a16="http://schemas.microsoft.com/office/drawing/2014/main" id="{8D48CF3A-1C50-45B8-A705-062EDE7607EC}"/>
+              </a:ext>
+            </a:extLst>
+          </p:cNvPr>
+          <p:cNvSpPr/>
+          <p:nvPr/>
+        </p:nvSpPr>
+        <p:spPr>
+          <a:xfrm>
+            <a:off x="990600" y="1118119"/>
+            <a:ext cx="7162800" cy="1600200"/>
+          </a:xfrm>
+          <a:prstGeom prst="rect">
+            <a:avLst/>
+          </a:prstGeom>
+          <a:solidFill>
+            <a:schemeClr val="accent6">
+              <a:lumMod val="75000"/>
+            </a:schemeClr>
+          </a:solidFill>
+        </p:spPr>
+        <p:style>
+          <a:lnRef idx="2">
+            <a:schemeClr val="accent1">
+              <a:shade val="50000"/>
+            </a:schemeClr>
+          </a:lnRef>
+          <a:fillRef idx="1">
+            <a:schemeClr val="accent1"/>
+          </a:fillRef>
+          <a:effectRef idx="0">
+            <a:schemeClr val="accent1"/>
+          </a:effectRef>
+          <a:fontRef idx="minor">
+            <a:schemeClr val="lt1"/>
+          </a:fontRef>
+        </p:style>
+        <p:txBody>
+          <a:bodyPr rtlCol="0" anchor="ctr"/>
+          <a:lstStyle/>
+          <a:p>
+            <a:pPr lvl="0" algn="ctr" defTabSz="457200"/>
+            <a:r>
+              <a:rPr lang="en-GB" sz="1800" dirty="0">
+                <a:solidFill>
+                  <a:schemeClr val="tx1"/>
+                </a:solidFill>
+                <a:effectLst/>
+                <a:latin typeface="Times New Roman" panose="02020603050405020304" pitchFamily="18" charset="0"/>
+                <a:ea typeface="Times New Roman" panose="02020603050405020304" pitchFamily="18" charset="0"/>
+              </a:rPr>
+              <a:t>Practicality:</a:t>
+            </a:r>
+          </a:p>
+          <a:p>
+            <a:pPr lvl="0" algn="ctr" defTabSz="457200"/>
+            <a:r>
+              <a:rPr lang="en-GB" sz="1800" dirty="0">
+                <a:solidFill>
+                  <a:schemeClr val="tx1"/>
+                </a:solidFill>
+                <a:effectLst/>
+                <a:latin typeface="Times New Roman" panose="02020603050405020304" pitchFamily="18" charset="0"/>
+                <a:ea typeface="Times New Roman" panose="02020603050405020304" pitchFamily="18" charset="0"/>
+              </a:rPr>
+              <a:t>Is the project is practical in business point of view?</a:t>
+            </a:r>
+            <a:endParaRPr lang="en-US" dirty="0">
+              <a:solidFill>
+                <a:schemeClr val="tx1"/>
+              </a:solidFill>
+              <a:latin typeface="Times New Roman" pitchFamily="18" charset="0"/>
+              <a:cs typeface="Times New Roman" pitchFamily="18" charset="0"/>
+            </a:endParaRPr>
+          </a:p>
+        </p:txBody>
+      </p:sp>
+      <p:sp>
+        <p:nvSpPr>
+          <p:cNvPr id="21" name="Rectangle 3">
+            <a:extLst>
+              <a:ext uri="{FF2B5EF4-FFF2-40B4-BE49-F238E27FC236}">
+                <a16:creationId xmlns:a16="http://schemas.microsoft.com/office/drawing/2014/main" id="{3FCB215F-FE5E-4A7E-9158-013FE651F313}"/>
+              </a:ext>
+            </a:extLst>
+          </p:cNvPr>
+          <p:cNvSpPr/>
+          <p:nvPr/>
+        </p:nvSpPr>
+        <p:spPr>
+          <a:xfrm>
+            <a:off x="951723" y="2971800"/>
+            <a:ext cx="7162800" cy="1600200"/>
+          </a:xfrm>
+          <a:prstGeom prst="rect">
+            <a:avLst/>
+          </a:prstGeom>
+          <a:solidFill>
+            <a:schemeClr val="accent6">
+              <a:lumMod val="75000"/>
+            </a:schemeClr>
+          </a:solidFill>
+        </p:spPr>
+        <p:style>
+          <a:lnRef idx="2">
+            <a:schemeClr val="accent1">
+              <a:shade val="50000"/>
+            </a:schemeClr>
+          </a:lnRef>
+          <a:fillRef idx="1">
+            <a:schemeClr val="accent1"/>
+          </a:fillRef>
+          <a:effectRef idx="0">
+            <a:schemeClr val="accent1"/>
+          </a:effectRef>
+          <a:fontRef idx="minor">
+            <a:schemeClr val="lt1"/>
+          </a:fontRef>
+        </p:style>
+        <p:txBody>
+          <a:bodyPr rtlCol="0" anchor="ctr"/>
+          <a:lstStyle/>
+          <a:p>
+            <a:pPr lvl="0" algn="ctr" defTabSz="457200"/>
+            <a:r>
+              <a:rPr lang="en-GB" sz="1800" dirty="0">
+                <a:solidFill>
+                  <a:schemeClr val="tx1"/>
+                </a:solidFill>
+                <a:effectLst/>
+                <a:latin typeface="Times New Roman" panose="02020603050405020304" pitchFamily="18" charset="0"/>
+                <a:ea typeface="Times New Roman" panose="02020603050405020304" pitchFamily="18" charset="0"/>
+              </a:rPr>
+              <a:t>Scalability:</a:t>
+            </a:r>
+          </a:p>
+          <a:p>
+            <a:pPr lvl="0" algn="ctr" defTabSz="457200"/>
+            <a:r>
+              <a:rPr lang="en-GB" sz="1800" dirty="0">
+                <a:solidFill>
+                  <a:schemeClr val="tx1"/>
+                </a:solidFill>
+                <a:effectLst/>
+                <a:latin typeface="Times New Roman" panose="02020603050405020304" pitchFamily="18" charset="0"/>
+                <a:ea typeface="Times New Roman" panose="02020603050405020304" pitchFamily="18" charset="0"/>
+              </a:rPr>
+              <a:t>Is it scalable? Would there will demand for this project?</a:t>
+            </a:r>
+            <a:endParaRPr lang="en-US" dirty="0">
+              <a:solidFill>
+                <a:schemeClr val="tx1"/>
+              </a:solidFill>
+              <a:latin typeface="Times New Roman" pitchFamily="18" charset="0"/>
+              <a:cs typeface="Times New Roman" pitchFamily="18" charset="0"/>
+            </a:endParaRPr>
+          </a:p>
+        </p:txBody>
+      </p:sp>
+      <p:sp>
+        <p:nvSpPr>
+          <p:cNvPr id="23" name="Rectangle 3">
+            <a:extLst>
+              <a:ext uri="{FF2B5EF4-FFF2-40B4-BE49-F238E27FC236}">
+                <a16:creationId xmlns:a16="http://schemas.microsoft.com/office/drawing/2014/main" id="{27E30A90-5752-4B09-B47C-4478FA018C08}"/>
+              </a:ext>
+            </a:extLst>
+          </p:cNvPr>
+          <p:cNvSpPr/>
+          <p:nvPr/>
+        </p:nvSpPr>
+        <p:spPr>
+          <a:xfrm>
+            <a:off x="962609" y="4875449"/>
+            <a:ext cx="7162800" cy="1600200"/>
+          </a:xfrm>
+          <a:prstGeom prst="rect">
+            <a:avLst/>
+          </a:prstGeom>
+          <a:solidFill>
+            <a:schemeClr val="accent6">
+              <a:lumMod val="75000"/>
+            </a:schemeClr>
+          </a:solidFill>
+        </p:spPr>
+        <p:style>
+          <a:lnRef idx="2">
+            <a:schemeClr val="accent1">
+              <a:shade val="50000"/>
+            </a:schemeClr>
+          </a:lnRef>
+          <a:fillRef idx="1">
+            <a:schemeClr val="accent1"/>
+          </a:fillRef>
+          <a:effectRef idx="0">
+            <a:schemeClr val="accent1"/>
+          </a:effectRef>
+          <a:fontRef idx="minor">
+            <a:schemeClr val="lt1"/>
+          </a:fontRef>
+        </p:style>
+        <p:txBody>
+          <a:bodyPr rtlCol="0" anchor="ctr"/>
+          <a:lstStyle/>
+          <a:p>
+            <a:pPr lvl="0" algn="ctr" defTabSz="457200"/>
+            <a:r>
+              <a:rPr lang="en-GB" sz="1800" dirty="0">
+                <a:solidFill>
+                  <a:schemeClr val="tx1"/>
+                </a:solidFill>
+                <a:effectLst/>
+                <a:latin typeface="Times New Roman" panose="02020603050405020304" pitchFamily="18" charset="0"/>
+                <a:ea typeface="Times New Roman" panose="02020603050405020304" pitchFamily="18" charset="0"/>
+              </a:rPr>
+              <a:t>Originality:</a:t>
+            </a:r>
+          </a:p>
+          <a:p>
+            <a:pPr lvl="0" algn="ctr" defTabSz="457200"/>
+            <a:r>
+              <a:rPr lang="en-GB" sz="1800" dirty="0">
+                <a:solidFill>
+                  <a:schemeClr val="tx1"/>
+                </a:solidFill>
+                <a:effectLst/>
+                <a:latin typeface="Times New Roman" panose="02020603050405020304" pitchFamily="18" charset="0"/>
+                <a:ea typeface="Times New Roman" panose="02020603050405020304" pitchFamily="18" charset="0"/>
+              </a:rPr>
+              <a:t>Is this project is unique? Will it stand out from the competition?</a:t>
+            </a:r>
+          </a:p>
+        </p:txBody>
+      </p:sp>
+    </p:spTree>
+    <p:extLst>
+      <p:ext uri="{BB962C8B-B14F-4D97-AF65-F5344CB8AC3E}">
+        <p14:creationId xmlns:p14="http://schemas.microsoft.com/office/powerpoint/2010/main" val="1223899660"/>
+      </p:ext>
+    </p:extLst>
   </p:cSld>
   <p:clrMapOvr>
     <a:masterClrMapping/>
